--- a/Shared/[FastCampus] 8주차_강의자료_김경원박사.pptx
+++ b/Shared/[FastCampus] 8주차_강의자료_김경원박사.pptx
@@ -12,7 +12,7 @@
   </p:handoutMasterIdLst>
   <p:sldIdLst>
     <p:sldId id="1063" r:id="rId2"/>
-    <p:sldId id="1142" r:id="rId3"/>
+    <p:sldId id="1248" r:id="rId3"/>
     <p:sldId id="1103" r:id="rId4"/>
     <p:sldId id="1224" r:id="rId5"/>
     <p:sldId id="1210" r:id="rId6"/>
@@ -268,7 +268,7 @@
           <a:p>
             <a:fld id="{FC718EE8-BF93-4A17-BED5-FC99EECA5FC7}" type="datetimeFigureOut">
               <a:rPr lang="ko-KR" altLang="en-US" smtClean="0"/>
-              <a:t>2019-07-21</a:t>
+              <a:t>2019-08-04</a:t>
             </a:fld>
             <a:endParaRPr lang="ko-KR" altLang="en-US"/>
           </a:p>
@@ -433,7 +433,7 @@
           <a:p>
             <a:fld id="{6101F873-BA02-446B-9127-C4DE4310B943}" type="datetimeFigureOut">
               <a:rPr lang="ko-KR" altLang="en-US" smtClean="0"/>
-              <a:t>2019-07-21</a:t>
+              <a:t>2019-08-04</a:t>
             </a:fld>
             <a:endParaRPr lang="ko-KR" altLang="en-US"/>
           </a:p>
@@ -763,18 +763,78 @@
           <a:bodyPr/>
           <a:lstStyle/>
           <a:p>
+            <a:pPr marL="0" marR="0" lvl="0" indent="0" algn="r" defTabSz="1107796" rtl="0" eaLnBrk="1" fontAlgn="auto" latinLnBrk="1" hangingPunct="1">
+              <a:lnSpc>
+                <a:spcPct val="100000"/>
+              </a:lnSpc>
+              <a:spcBef>
+                <a:spcPts val="0"/>
+              </a:spcBef>
+              <a:spcAft>
+                <a:spcPts val="0"/>
+              </a:spcAft>
+              <a:buClrTx/>
+              <a:buSzTx/>
+              <a:buFontTx/>
+              <a:buNone/>
+              <a:tabLst/>
+              <a:defRPr/>
+            </a:pPr>
             <a:fld id="{C191BC67-C438-4515-9D3F-F10D40F1354A}" type="slidenum">
-              <a:rPr lang="ko-KR" altLang="en-US" smtClean="0"/>
+              <a:rPr kumimoji="0" lang="ko-KR" altLang="en-US" sz="1200" b="0" i="0" u="none" strike="noStrike" kern="1200" cap="none" spc="0" normalizeH="0" baseline="0" noProof="0" smtClean="0">
+                <a:ln>
+                  <a:noFill/>
+                </a:ln>
+                <a:solidFill>
+                  <a:prstClr val="black"/>
+                </a:solidFill>
+                <a:effectLst/>
+                <a:uLnTx/>
+                <a:uFillTx/>
+                <a:latin typeface="맑은 고딕"/>
+                <a:ea typeface="맑은 고딕" panose="020B0503020000020004" pitchFamily="50" charset="-127"/>
+                <a:cs typeface="+mn-cs"/>
+              </a:rPr>
+              <a:pPr marL="0" marR="0" lvl="0" indent="0" algn="r" defTabSz="1107796" rtl="0" eaLnBrk="1" fontAlgn="auto" latinLnBrk="1" hangingPunct="1">
+                <a:lnSpc>
+                  <a:spcPct val="100000"/>
+                </a:lnSpc>
+                <a:spcBef>
+                  <a:spcPts val="0"/>
+                </a:spcBef>
+                <a:spcAft>
+                  <a:spcPts val="0"/>
+                </a:spcAft>
+                <a:buClrTx/>
+                <a:buSzTx/>
+                <a:buFontTx/>
+                <a:buNone/>
+                <a:tabLst/>
+                <a:defRPr/>
+              </a:pPr>
               <a:t>2</a:t>
             </a:fld>
-            <a:endParaRPr lang="ko-KR" altLang="en-US"/>
+            <a:endParaRPr kumimoji="0" lang="ko-KR" altLang="en-US" sz="1200" b="0" i="0" u="none" strike="noStrike" kern="1200" cap="none" spc="0" normalizeH="0" baseline="0" noProof="0">
+              <a:ln>
+                <a:noFill/>
+              </a:ln>
+              <a:solidFill>
+                <a:prstClr val="black"/>
+              </a:solidFill>
+              <a:effectLst/>
+              <a:uLnTx/>
+              <a:uFillTx/>
+              <a:latin typeface="맑은 고딕"/>
+              <a:ea typeface="맑은 고딕" panose="020B0503020000020004" pitchFamily="50" charset="-127"/>
+              <a:cs typeface="+mn-cs"/>
+            </a:endParaRPr>
           </a:p>
         </p:txBody>
       </p:sp>
     </p:spTree>
     <p:extLst>
       <p:ext uri="{BB962C8B-B14F-4D97-AF65-F5344CB8AC3E}">
-        <p14:creationId xmlns:p14="http://schemas.microsoft.com/office/powerpoint/2010/main" val="3775101291"/>
+        <p14:creationId xmlns:p14="http://schemas.microsoft.com/office/powerpoint/2010/main" val="315997949"/>
       </p:ext>
     </p:extLst>
   </p:cSld>
@@ -963,7 +1023,7 @@
           <a:p>
             <a:fld id="{89B5E594-86C5-4F1D-8812-38DF40064943}" type="datetime1">
               <a:rPr lang="ko-KR" altLang="en-US" smtClean="0"/>
-              <a:t>2019-07-21</a:t>
+              <a:t>2019-08-04</a:t>
             </a:fld>
             <a:endParaRPr lang="ko-KR" altLang="en-US"/>
           </a:p>
@@ -1171,7 +1231,7 @@
           <a:p>
             <a:fld id="{05C0B17C-522D-4CD8-8139-01EDEBAB2AF6}" type="datetime1">
               <a:rPr lang="ko-KR" altLang="en-US" smtClean="0"/>
-              <a:t>2019-07-21</a:t>
+              <a:t>2019-08-04</a:t>
             </a:fld>
             <a:endParaRPr lang="ko-KR" altLang="en-US"/>
           </a:p>
@@ -1349,7 +1409,7 @@
           <a:p>
             <a:fld id="{7345261C-38F3-40E7-AAA6-CE27B727AA65}" type="datetime1">
               <a:rPr lang="ko-KR" altLang="en-US" smtClean="0"/>
-              <a:t>2019-07-21</a:t>
+              <a:t>2019-08-04</a:t>
             </a:fld>
             <a:endParaRPr lang="ko-KR" altLang="en-US"/>
           </a:p>
@@ -1517,7 +1577,7 @@
           <a:p>
             <a:fld id="{A8472951-AD8C-47B8-8787-30E2F4BFA1EA}" type="datetime1">
               <a:rPr lang="ko-KR" altLang="en-US" smtClean="0"/>
-              <a:t>2019-07-21</a:t>
+              <a:t>2019-08-04</a:t>
             </a:fld>
             <a:endParaRPr lang="ko-KR" altLang="en-US"/>
           </a:p>
@@ -1772,7 +1832,7 @@
           <a:p>
             <a:fld id="{8BCB1BBF-13D1-46E6-8B8B-C9F26A0BAD91}" type="datetime1">
               <a:rPr lang="ko-KR" altLang="en-US" smtClean="0"/>
-              <a:t>2019-07-21</a:t>
+              <a:t>2019-08-04</a:t>
             </a:fld>
             <a:endParaRPr lang="ko-KR" altLang="en-US"/>
           </a:p>
@@ -2057,7 +2117,7 @@
           <a:p>
             <a:fld id="{B16FDC3D-FD6A-49DF-B101-11717D57279F}" type="datetime1">
               <a:rPr lang="ko-KR" altLang="en-US" smtClean="0"/>
-              <a:t>2019-07-21</a:t>
+              <a:t>2019-08-04</a:t>
             </a:fld>
             <a:endParaRPr lang="ko-KR" altLang="en-US"/>
           </a:p>
@@ -2476,7 +2536,7 @@
           <a:p>
             <a:fld id="{42D411A2-FD90-4A19-98A8-25197A66BC26}" type="datetime1">
               <a:rPr lang="ko-KR" altLang="en-US" smtClean="0"/>
-              <a:t>2019-07-21</a:t>
+              <a:t>2019-08-04</a:t>
             </a:fld>
             <a:endParaRPr lang="ko-KR" altLang="en-US"/>
           </a:p>
@@ -2593,7 +2653,7 @@
           <a:p>
             <a:fld id="{F6E6B532-6471-449A-9A2F-4428556C2F98}" type="datetime1">
               <a:rPr lang="ko-KR" altLang="en-US" smtClean="0"/>
-              <a:t>2019-07-21</a:t>
+              <a:t>2019-08-04</a:t>
             </a:fld>
             <a:endParaRPr lang="ko-KR" altLang="en-US"/>
           </a:p>
@@ -2688,7 +2748,7 @@
           <a:p>
             <a:fld id="{45A9E13B-856D-4562-A86D-A2B6F7BF810F}" type="datetime1">
               <a:rPr lang="ko-KR" altLang="en-US" smtClean="0"/>
-              <a:t>2019-07-21</a:t>
+              <a:t>2019-08-04</a:t>
             </a:fld>
             <a:endParaRPr lang="ko-KR" altLang="en-US"/>
           </a:p>
@@ -2963,7 +3023,7 @@
           <a:p>
             <a:fld id="{A672FB3A-7E9E-4380-9381-6FCA87FBB41A}" type="datetime1">
               <a:rPr lang="ko-KR" altLang="en-US" smtClean="0"/>
-              <a:t>2019-07-21</a:t>
+              <a:t>2019-08-04</a:t>
             </a:fld>
             <a:endParaRPr lang="ko-KR" altLang="en-US"/>
           </a:p>
@@ -3215,7 +3275,7 @@
           <a:p>
             <a:fld id="{3948CCBA-1514-4E9E-888A-807450F810B0}" type="datetime1">
               <a:rPr lang="ko-KR" altLang="en-US" smtClean="0"/>
-              <a:t>2019-07-21</a:t>
+              <a:t>2019-08-04</a:t>
             </a:fld>
             <a:endParaRPr lang="ko-KR" altLang="en-US"/>
           </a:p>
@@ -3428,7 +3488,7 @@
           <a:p>
             <a:fld id="{170EDEE7-370E-499F-B978-ABF387098974}" type="datetime1">
               <a:rPr lang="ko-KR" altLang="en-US" smtClean="0"/>
-              <a:t>2019-07-21</a:t>
+              <a:t>2019-08-04</a:t>
             </a:fld>
             <a:endParaRPr lang="ko-KR" altLang="en-US" dirty="0"/>
           </a:p>
@@ -5595,7 +5655,7 @@
           <p:cNvPr id="5" name="슬라이드 번호 개체 틀 3">
             <a:extLst>
               <a:ext uri="{FF2B5EF4-FFF2-40B4-BE49-F238E27FC236}">
-                <a16:creationId xmlns:a16="http://schemas.microsoft.com/office/drawing/2014/main" id="{712EDB3D-AFBF-4514-A1F8-47CDB5052391}"/>
+                <a16:creationId xmlns:a16="http://schemas.microsoft.com/office/drawing/2014/main" id="{F33380C6-69E2-4A83-9BD2-04C62FE5D24B}"/>
               </a:ext>
             </a:extLst>
           </p:cNvPr>
@@ -5616,12 +5676,73 @@
           <a:bodyPr/>
           <a:lstStyle/>
           <a:p>
+            <a:pPr marL="0" marR="0" lvl="0" indent="0" algn="r" defTabSz="1107796" rtl="0" eaLnBrk="1" fontAlgn="auto" latinLnBrk="1" hangingPunct="1">
+              <a:lnSpc>
+                <a:spcPct val="100000"/>
+              </a:lnSpc>
+              <a:spcBef>
+                <a:spcPts val="0"/>
+              </a:spcBef>
+              <a:spcAft>
+                <a:spcPts val="0"/>
+              </a:spcAft>
+              <a:buClrTx/>
+              <a:buSzTx/>
+              <a:buFontTx/>
+              <a:buNone/>
+              <a:tabLst/>
+              <a:defRPr/>
+            </a:pPr>
             <a:fld id="{6DDAE2C3-1A0B-474A-8CE8-AE55B8D9D4B1}" type="slidenum">
-              <a:rPr lang="ko-KR" altLang="en-US" smtClean="0"/>
-              <a:pPr/>
+              <a:rPr kumimoji="0" lang="ko-KR" altLang="en-US" sz="900" b="0" i="0" u="none" strike="noStrike" kern="1200" cap="none" spc="0" normalizeH="0" baseline="0" noProof="0" smtClean="0">
+                <a:ln>
+                  <a:noFill/>
+                </a:ln>
+                <a:solidFill>
+                  <a:prstClr val="black">
+                    <a:tint val="75000"/>
+                  </a:prstClr>
+                </a:solidFill>
+                <a:effectLst/>
+                <a:uLnTx/>
+                <a:uFillTx/>
+                <a:ea typeface="Noto Sans CJK KR Bold" panose="020B0800000000000000" pitchFamily="34" charset="-127"/>
+                <a:cs typeface="+mn-cs"/>
+              </a:rPr>
+              <a:pPr marL="0" marR="0" lvl="0" indent="0" algn="r" defTabSz="1107796" rtl="0" eaLnBrk="1" fontAlgn="auto" latinLnBrk="1" hangingPunct="1">
+                <a:lnSpc>
+                  <a:spcPct val="100000"/>
+                </a:lnSpc>
+                <a:spcBef>
+                  <a:spcPts val="0"/>
+                </a:spcBef>
+                <a:spcAft>
+                  <a:spcPts val="0"/>
+                </a:spcAft>
+                <a:buClrTx/>
+                <a:buSzTx/>
+                <a:buFontTx/>
+                <a:buNone/>
+                <a:tabLst/>
+                <a:defRPr/>
+              </a:pPr>
               <a:t>2</a:t>
             </a:fld>
-            <a:endParaRPr lang="ko-KR" altLang="en-US" dirty="0"/>
+            <a:endParaRPr kumimoji="0" lang="ko-KR" altLang="en-US" sz="900" b="0" i="0" u="none" strike="noStrike" kern="1200" cap="none" spc="0" normalizeH="0" baseline="0" noProof="0" dirty="0">
+              <a:ln>
+                <a:noFill/>
+              </a:ln>
+              <a:solidFill>
+                <a:prstClr val="black">
+                  <a:tint val="75000"/>
+                </a:prstClr>
+              </a:solidFill>
+              <a:effectLst/>
+              <a:uLnTx/>
+              <a:uFillTx/>
+              <a:ea typeface="Noto Sans CJK KR Bold" panose="020B0800000000000000" pitchFamily="34" charset="-127"/>
+              <a:cs typeface="+mn-cs"/>
+            </a:endParaRPr>
           </a:p>
         </p:txBody>
       </p:sp>
@@ -5630,7 +5751,7 @@
           <p:cNvPr id="6" name="TextBox 5">
             <a:extLst>
               <a:ext uri="{FF2B5EF4-FFF2-40B4-BE49-F238E27FC236}">
-                <a16:creationId xmlns:a16="http://schemas.microsoft.com/office/drawing/2014/main" id="{878D8CFD-3F58-4615-B42E-3680F892C36C}"/>
+                <a16:creationId xmlns:a16="http://schemas.microsoft.com/office/drawing/2014/main" id="{8BF01066-6B0A-4FA1-8C23-4A69A6736913}"/>
               </a:ext>
             </a:extLst>
           </p:cNvPr>
@@ -5640,7 +5761,7 @@
         <p:spPr>
           <a:xfrm>
             <a:off x="542135" y="855851"/>
-            <a:ext cx="11298630" cy="3016210"/>
+            <a:ext cx="11298630" cy="2708434"/>
           </a:xfrm>
           <a:prstGeom prst="rect">
             <a:avLst/>
@@ -5653,10 +5774,27 @@
           </a:bodyPr>
           <a:lstStyle/>
           <a:p>
+            <a:pPr marL="0" marR="0" lvl="0" indent="0" algn="l" defTabSz="1107796" rtl="0" eaLnBrk="1" fontAlgn="auto" latinLnBrk="1" hangingPunct="1">
+              <a:lnSpc>
+                <a:spcPct val="100000"/>
+              </a:lnSpc>
+              <a:spcBef>
+                <a:spcPts val="0"/>
+              </a:spcBef>
+              <a:spcAft>
+                <a:spcPts val="0"/>
+              </a:spcAft>
+              <a:buClrTx/>
+              <a:buSzTx/>
+              <a:buFontTx/>
+              <a:buNone/>
+              <a:tabLst/>
+              <a:defRPr/>
+            </a:pPr>
             <a:r>
               <a:rPr lang="en-US" altLang="ko-KR" sz="4400" dirty="0">
                 <a:solidFill>
-                  <a:schemeClr val="bg1"/>
+                  <a:prstClr val="white"/>
                 </a:solidFill>
                 <a:latin typeface="Noto Sans CJK KR Black" panose="020B0A00000000000000" pitchFamily="34" charset="-127"/>
                 <a:ea typeface="Noto Sans CJK KR Black" panose="020B0A00000000000000" pitchFamily="34" charset="-127"/>
@@ -5664,114 +5802,152 @@
               <a:t>8</a:t>
             </a:r>
             <a:r>
-              <a:rPr lang="ko-KR" altLang="en-US" sz="4400" dirty="0">
-                <a:solidFill>
-                  <a:schemeClr val="bg1"/>
-                </a:solidFill>
+              <a:rPr kumimoji="0" lang="ko-KR" altLang="en-US" sz="4400" b="0" i="0" u="none" strike="noStrike" kern="1200" cap="none" spc="0" normalizeH="0" baseline="0" noProof="0" dirty="0">
+                <a:ln>
+                  <a:noFill/>
+                </a:ln>
+                <a:solidFill>
+                  <a:prstClr val="white"/>
+                </a:solidFill>
+                <a:effectLst/>
+                <a:uLnTx/>
+                <a:uFillTx/>
                 <a:latin typeface="Noto Sans CJK KR Black" panose="020B0A00000000000000" pitchFamily="34" charset="-127"/>
                 <a:ea typeface="Noto Sans CJK KR Black" panose="020B0A00000000000000" pitchFamily="34" charset="-127"/>
-              </a:rPr>
-              <a:t>주차 강의의 목적</a:t>
-            </a:r>
-            <a:endParaRPr lang="en-US" altLang="ko-KR" sz="4400" dirty="0">
+                <a:cs typeface="+mn-cs"/>
+              </a:rPr>
+              <a:t>주차 </a:t>
+            </a:r>
+            <a:endParaRPr kumimoji="0" lang="en-US" altLang="ko-KR" sz="4400" b="0" i="0" u="none" strike="noStrike" kern="1200" cap="none" spc="0" normalizeH="0" baseline="0" noProof="0" dirty="0">
+              <a:ln>
+                <a:noFill/>
+              </a:ln>
               <a:solidFill>
-                <a:schemeClr val="bg1"/>
+                <a:prstClr val="white"/>
               </a:solidFill>
+              <a:effectLst/>
+              <a:uLnTx/>
+              <a:uFillTx/>
               <a:latin typeface="Noto Sans CJK KR Black" panose="020B0A00000000000000" pitchFamily="34" charset="-127"/>
               <a:ea typeface="Noto Sans CJK KR Black" panose="020B0A00000000000000" pitchFamily="34" charset="-127"/>
+              <a:cs typeface="+mn-cs"/>
             </a:endParaRPr>
           </a:p>
           <a:p>
-            <a:endParaRPr lang="en-US" altLang="ko-KR" sz="4400" dirty="0">
+            <a:pPr marL="0" marR="0" lvl="0" indent="0" algn="l" defTabSz="1107796" rtl="0" eaLnBrk="1" fontAlgn="auto" latinLnBrk="1" hangingPunct="1">
+              <a:lnSpc>
+                <a:spcPct val="100000"/>
+              </a:lnSpc>
+              <a:spcBef>
+                <a:spcPts val="0"/>
+              </a:spcBef>
+              <a:spcAft>
+                <a:spcPts val="0"/>
+              </a:spcAft>
+              <a:buClrTx/>
+              <a:buSzTx/>
+              <a:buFontTx/>
+              <a:buNone/>
+              <a:tabLst/>
+              <a:defRPr/>
+            </a:pPr>
+            <a:r>
+              <a:rPr kumimoji="0" lang="ko-KR" altLang="en-US" sz="4400" b="0" i="0" u="none" strike="noStrike" kern="1200" cap="none" spc="0" normalizeH="0" baseline="0" noProof="0" dirty="0">
+                <a:ln>
+                  <a:noFill/>
+                </a:ln>
+                <a:solidFill>
+                  <a:prstClr val="white"/>
+                </a:solidFill>
+                <a:effectLst/>
+                <a:uLnTx/>
+                <a:uFillTx/>
+                <a:latin typeface="Noto Sans CJK KR Black" panose="020B0A00000000000000" pitchFamily="34" charset="-127"/>
+                <a:ea typeface="Noto Sans CJK KR Black" panose="020B0A00000000000000" pitchFamily="34" charset="-127"/>
+                <a:cs typeface="+mn-cs"/>
+              </a:rPr>
+              <a:t>강의의 목적</a:t>
+            </a:r>
+            <a:endParaRPr kumimoji="0" lang="en-US" altLang="ko-KR" sz="4400" b="0" i="0" u="none" strike="noStrike" kern="1200" cap="none" spc="0" normalizeH="0" baseline="0" noProof="0" dirty="0">
+              <a:ln>
+                <a:noFill/>
+              </a:ln>
               <a:solidFill>
-                <a:schemeClr val="bg1"/>
+                <a:prstClr val="white"/>
               </a:solidFill>
+              <a:effectLst/>
+              <a:uLnTx/>
+              <a:uFillTx/>
               <a:latin typeface="Noto Sans CJK KR Black" panose="020B0A00000000000000" pitchFamily="34" charset="-127"/>
               <a:ea typeface="Noto Sans CJK KR Black" panose="020B0A00000000000000" pitchFamily="34" charset="-127"/>
+              <a:cs typeface="+mn-cs"/>
             </a:endParaRPr>
           </a:p>
           <a:p>
-            <a:endParaRPr lang="en-US" altLang="ko-KR" sz="4400" dirty="0">
+            <a:pPr marL="0" marR="0" lvl="0" indent="0" algn="l" defTabSz="1107796" rtl="0" eaLnBrk="1" fontAlgn="auto" latinLnBrk="1" hangingPunct="1">
+              <a:lnSpc>
+                <a:spcPct val="100000"/>
+              </a:lnSpc>
+              <a:spcBef>
+                <a:spcPts val="0"/>
+              </a:spcBef>
+              <a:spcAft>
+                <a:spcPts val="0"/>
+              </a:spcAft>
+              <a:buClrTx/>
+              <a:buSzTx/>
+              <a:buFontTx/>
+              <a:buNone/>
+              <a:tabLst/>
+              <a:defRPr/>
+            </a:pPr>
+            <a:endParaRPr kumimoji="0" lang="en-US" altLang="ko-KR" sz="4400" b="0" i="0" u="none" strike="noStrike" kern="1200" cap="none" spc="0" normalizeH="0" baseline="0" noProof="0" dirty="0">
+              <a:ln>
+                <a:noFill/>
+              </a:ln>
               <a:solidFill>
-                <a:schemeClr val="bg1"/>
+                <a:prstClr val="white"/>
               </a:solidFill>
+              <a:effectLst/>
+              <a:uLnTx/>
+              <a:uFillTx/>
               <a:latin typeface="Noto Sans CJK KR Black" panose="020B0A00000000000000" pitchFamily="34" charset="-127"/>
               <a:ea typeface="Noto Sans CJK KR Black" panose="020B0A00000000000000" pitchFamily="34" charset="-127"/>
+              <a:cs typeface="+mn-cs"/>
             </a:endParaRPr>
           </a:p>
           <a:p>
-            <a:r>
-              <a:rPr lang="en-US" altLang="ko-KR" sz="3200" dirty="0">
-                <a:solidFill>
-                  <a:schemeClr val="bg1"/>
-                </a:solidFill>
-                <a:latin typeface="Noto Sans CJK KR Black" panose="020B0A00000000000000" pitchFamily="34" charset="-127"/>
-                <a:ea typeface="Noto Sans CJK KR Black" panose="020B0A00000000000000" pitchFamily="34" charset="-127"/>
-              </a:rPr>
-              <a:t>“</a:t>
-            </a:r>
-            <a:r>
-              <a:rPr lang="ko-KR" altLang="en-US" sz="3200" dirty="0">
-                <a:solidFill>
-                  <a:schemeClr val="bg1"/>
-                </a:solidFill>
-                <a:latin typeface="Noto Sans CJK KR Black" panose="020B0A00000000000000" pitchFamily="34" charset="-127"/>
-                <a:ea typeface="Noto Sans CJK KR Black" panose="020B0A00000000000000" pitchFamily="34" charset="-127"/>
-              </a:rPr>
-              <a:t>비선형 시계열 알고리즘</a:t>
-            </a:r>
-            <a:r>
-              <a:rPr lang="en-US" altLang="ko-KR" sz="3200" dirty="0">
-                <a:solidFill>
-                  <a:schemeClr val="bg1"/>
-                </a:solidFill>
-                <a:latin typeface="Noto Sans CJK KR Black" panose="020B0A00000000000000" pitchFamily="34" charset="-127"/>
-                <a:ea typeface="Noto Sans CJK KR Black" panose="020B0A00000000000000" pitchFamily="34" charset="-127"/>
-              </a:rPr>
-              <a:t>“</a:t>
-            </a:r>
-          </a:p>
-          <a:p>
-            <a:r>
-              <a:rPr lang="en-US" altLang="ko-KR" sz="3200" dirty="0">
-                <a:solidFill>
-                  <a:schemeClr val="bg1"/>
-                </a:solidFill>
-                <a:latin typeface="Noto Sans CJK KR Black" panose="020B0A00000000000000" pitchFamily="34" charset="-127"/>
-                <a:ea typeface="Noto Sans CJK KR Black" panose="020B0A00000000000000" pitchFamily="34" charset="-127"/>
-              </a:rPr>
-              <a:t>“</a:t>
-            </a:r>
-            <a:r>
-              <a:rPr lang="ko-KR" altLang="en-US" sz="3200" dirty="0" err="1">
-                <a:solidFill>
-                  <a:schemeClr val="bg1"/>
-                </a:solidFill>
-                <a:latin typeface="Noto Sans CJK KR Black" panose="020B0A00000000000000" pitchFamily="34" charset="-127"/>
-                <a:ea typeface="Noto Sans CJK KR Black" panose="020B0A00000000000000" pitchFamily="34" charset="-127"/>
-              </a:rPr>
-              <a:t>다변량</a:t>
-            </a:r>
-            <a:r>
-              <a:rPr lang="ko-KR" altLang="en-US" sz="3200" dirty="0">
-                <a:solidFill>
-                  <a:schemeClr val="bg1"/>
-                </a:solidFill>
-                <a:latin typeface="Noto Sans CJK KR Black" panose="020B0A00000000000000" pitchFamily="34" charset="-127"/>
-                <a:ea typeface="Noto Sans CJK KR Black" panose="020B0A00000000000000" pitchFamily="34" charset="-127"/>
-              </a:rPr>
-              <a:t> 시계열 알고리즘</a:t>
-            </a:r>
-            <a:r>
-              <a:rPr lang="en-US" altLang="ko-KR" sz="3200" dirty="0">
-                <a:solidFill>
-                  <a:schemeClr val="bg1"/>
-                </a:solidFill>
-                <a:latin typeface="Noto Sans CJK KR Black" panose="020B0A00000000000000" pitchFamily="34" charset="-127"/>
-                <a:ea typeface="Noto Sans CJK KR Black" panose="020B0A00000000000000" pitchFamily="34" charset="-127"/>
-              </a:rPr>
-              <a:t>“</a:t>
-            </a:r>
+            <a:pPr marL="0" marR="0" lvl="0" indent="0" algn="l" defTabSz="1107796" rtl="0" eaLnBrk="1" fontAlgn="auto" latinLnBrk="1" hangingPunct="1">
+              <a:lnSpc>
+                <a:spcPct val="100000"/>
+              </a:lnSpc>
+              <a:spcBef>
+                <a:spcPts val="0"/>
+              </a:spcBef>
+              <a:spcAft>
+                <a:spcPts val="0"/>
+              </a:spcAft>
+              <a:buClrTx/>
+              <a:buSzTx/>
+              <a:buFontTx/>
+              <a:buNone/>
+              <a:tabLst/>
+              <a:defRPr/>
+            </a:pPr>
+            <a:endParaRPr kumimoji="0" lang="en-US" altLang="ko-KR" sz="4400" b="0" i="0" u="none" strike="noStrike" kern="1200" cap="none" spc="0" normalizeH="0" baseline="0" noProof="0" dirty="0">
+              <a:ln>
+                <a:noFill/>
+              </a:ln>
+              <a:solidFill>
+                <a:prstClr val="white"/>
+              </a:solidFill>
+              <a:effectLst/>
+              <a:uLnTx/>
+              <a:uFillTx/>
+              <a:latin typeface="Noto Sans CJK KR Black" panose="020B0A00000000000000" pitchFamily="34" charset="-127"/>
+              <a:ea typeface="Noto Sans CJK KR Black" panose="020B0A00000000000000" pitchFamily="34" charset="-127"/>
+              <a:cs typeface="+mn-cs"/>
+            </a:endParaRPr>
           </a:p>
         </p:txBody>
       </p:sp>
@@ -5780,7 +5956,7 @@
           <p:cNvPr id="7" name="TextBox 6">
             <a:extLst>
               <a:ext uri="{FF2B5EF4-FFF2-40B4-BE49-F238E27FC236}">
-                <a16:creationId xmlns:a16="http://schemas.microsoft.com/office/drawing/2014/main" id="{FDCEAFEA-D3D9-429F-B5CC-2BF161C59E85}"/>
+                <a16:creationId xmlns:a16="http://schemas.microsoft.com/office/drawing/2014/main" id="{9FE01AB0-92B6-48E5-9989-63C685E5911E}"/>
               </a:ext>
             </a:extLst>
           </p:cNvPr>
@@ -5803,17 +5979,442 @@
           </a:bodyPr>
           <a:lstStyle/>
           <a:p>
-            <a:pPr>
+            <a:pPr marL="0" marR="0" lvl="0" indent="0" algn="l" defTabSz="1107796" rtl="0" eaLnBrk="1" fontAlgn="auto" latinLnBrk="1" hangingPunct="1">
               <a:lnSpc>
                 <a:spcPct val="150000"/>
               </a:lnSpc>
+              <a:spcBef>
+                <a:spcPts val="0"/>
+              </a:spcBef>
+              <a:spcAft>
+                <a:spcPts val="0"/>
+              </a:spcAft>
+              <a:buClrTx/>
+              <a:buSzTx/>
+              <a:buFontTx/>
+              <a:buNone/>
+              <a:tabLst/>
+              <a:defRPr/>
             </a:pPr>
-            <a:endParaRPr lang="en-US" altLang="ko-KR" sz="1050" dirty="0">
+            <a:endParaRPr kumimoji="0" lang="en-US" altLang="ko-KR" sz="1050" b="0" i="0" u="none" strike="noStrike" kern="1200" cap="none" spc="0" normalizeH="0" baseline="0" noProof="0" dirty="0">
+              <a:ln>
+                <a:noFill/>
+              </a:ln>
               <a:solidFill>
-                <a:schemeClr val="bg1"/>
+                <a:prstClr val="white"/>
               </a:solidFill>
+              <a:effectLst/>
+              <a:uLnTx/>
+              <a:uFillTx/>
               <a:latin typeface="Noto Sans CJK KR Medium" panose="020B0600000000000000" pitchFamily="34" charset="-127"/>
               <a:ea typeface="Noto Sans CJK KR Medium" panose="020B0600000000000000" pitchFamily="34" charset="-127"/>
+              <a:cs typeface="+mn-cs"/>
+            </a:endParaRPr>
+          </a:p>
+        </p:txBody>
+      </p:sp>
+      <p:pic>
+        <p:nvPicPr>
+          <p:cNvPr id="3" name="그림 2">
+            <a:extLst>
+              <a:ext uri="{FF2B5EF4-FFF2-40B4-BE49-F238E27FC236}">
+                <a16:creationId xmlns:a16="http://schemas.microsoft.com/office/drawing/2014/main" id="{B28E21CB-C8A1-4CAF-9592-DF5B9164442D}"/>
+              </a:ext>
+            </a:extLst>
+          </p:cNvPr>
+          <p:cNvPicPr>
+            <a:picLocks noChangeAspect="1"/>
+          </p:cNvPicPr>
+          <p:nvPr/>
+        </p:nvPicPr>
+        <p:blipFill>
+          <a:blip r:embed="rId3">
+            <a:extLst>
+              <a:ext uri="{28A0092B-C50C-407E-A947-70E740481C1C}">
+                <a14:useLocalDpi xmlns:a14="http://schemas.microsoft.com/office/drawing/2010/main" val="0"/>
+              </a:ext>
+            </a:extLst>
+          </a:blip>
+          <a:stretch>
+            <a:fillRect/>
+          </a:stretch>
+        </p:blipFill>
+        <p:spPr>
+          <a:xfrm>
+            <a:off x="5509976" y="0"/>
+            <a:ext cx="6690829" cy="6840538"/>
+          </a:xfrm>
+          <a:prstGeom prst="rect">
+            <a:avLst/>
+          </a:prstGeom>
+        </p:spPr>
+      </p:pic>
+      <p:sp>
+        <p:nvSpPr>
+          <p:cNvPr id="4" name="TextBox 3">
+            <a:extLst>
+              <a:ext uri="{FF2B5EF4-FFF2-40B4-BE49-F238E27FC236}">
+                <a16:creationId xmlns:a16="http://schemas.microsoft.com/office/drawing/2014/main" id="{CA2685AD-645E-46B4-A56D-609A7F21A7F6}"/>
+              </a:ext>
+            </a:extLst>
+          </p:cNvPr>
+          <p:cNvSpPr txBox="1"/>
+          <p:nvPr/>
+        </p:nvSpPr>
+        <p:spPr>
+          <a:xfrm>
+            <a:off x="8839421" y="3708301"/>
+            <a:ext cx="3240360" cy="3139321"/>
+          </a:xfrm>
+          <a:prstGeom prst="rect">
+            <a:avLst/>
+          </a:prstGeom>
+          <a:noFill/>
+          <a:ln w="38100">
+            <a:solidFill>
+              <a:srgbClr val="FF0000"/>
+            </a:solidFill>
+          </a:ln>
+        </p:spPr>
+        <p:txBody>
+          <a:bodyPr wrap="square" rtlCol="0">
+            <a:spAutoFit/>
+          </a:bodyPr>
+          <a:lstStyle/>
+          <a:p>
+            <a:pPr marL="0" marR="0" lvl="0" indent="0" algn="l" defTabSz="1107796" rtl="0" eaLnBrk="1" fontAlgn="auto" latinLnBrk="1" hangingPunct="1">
+              <a:lnSpc>
+                <a:spcPct val="100000"/>
+              </a:lnSpc>
+              <a:spcBef>
+                <a:spcPts val="0"/>
+              </a:spcBef>
+              <a:spcAft>
+                <a:spcPts val="0"/>
+              </a:spcAft>
+              <a:buClrTx/>
+              <a:buSzTx/>
+              <a:buFontTx/>
+              <a:buNone/>
+              <a:tabLst/>
+              <a:defRPr/>
+            </a:pPr>
+            <a:endParaRPr kumimoji="0" lang="en-US" altLang="ko-KR" sz="2200" b="0" i="0" u="none" strike="noStrike" kern="1200" cap="none" spc="0" normalizeH="0" baseline="0" noProof="0" dirty="0">
+              <a:ln>
+                <a:noFill/>
+              </a:ln>
+              <a:solidFill>
+                <a:prstClr val="black"/>
+              </a:solidFill>
+              <a:effectLst/>
+              <a:uLnTx/>
+              <a:uFillTx/>
+              <a:latin typeface="맑은 고딕"/>
+              <a:ea typeface="맑은 고딕" panose="020B0503020000020004" pitchFamily="50" charset="-127"/>
+              <a:cs typeface="+mn-cs"/>
+            </a:endParaRPr>
+          </a:p>
+          <a:p>
+            <a:pPr marL="0" marR="0" lvl="0" indent="0" algn="l" defTabSz="1107796" rtl="0" eaLnBrk="1" fontAlgn="auto" latinLnBrk="1" hangingPunct="1">
+              <a:lnSpc>
+                <a:spcPct val="100000"/>
+              </a:lnSpc>
+              <a:spcBef>
+                <a:spcPts val="0"/>
+              </a:spcBef>
+              <a:spcAft>
+                <a:spcPts val="0"/>
+              </a:spcAft>
+              <a:buClrTx/>
+              <a:buSzTx/>
+              <a:buFontTx/>
+              <a:buNone/>
+              <a:tabLst/>
+              <a:defRPr/>
+            </a:pPr>
+            <a:endParaRPr lang="en-US" altLang="ko-KR" dirty="0">
+              <a:solidFill>
+                <a:prstClr val="black"/>
+              </a:solidFill>
+              <a:latin typeface="맑은 고딕"/>
+              <a:ea typeface="맑은 고딕" panose="020B0503020000020004" pitchFamily="50" charset="-127"/>
+            </a:endParaRPr>
+          </a:p>
+          <a:p>
+            <a:pPr marL="0" marR="0" lvl="0" indent="0" algn="l" defTabSz="1107796" rtl="0" eaLnBrk="1" fontAlgn="auto" latinLnBrk="1" hangingPunct="1">
+              <a:lnSpc>
+                <a:spcPct val="100000"/>
+              </a:lnSpc>
+              <a:spcBef>
+                <a:spcPts val="0"/>
+              </a:spcBef>
+              <a:spcAft>
+                <a:spcPts val="0"/>
+              </a:spcAft>
+              <a:buClrTx/>
+              <a:buSzTx/>
+              <a:buFontTx/>
+              <a:buNone/>
+              <a:tabLst/>
+              <a:defRPr/>
+            </a:pPr>
+            <a:endParaRPr kumimoji="0" lang="en-US" altLang="ko-KR" sz="2200" b="0" i="0" u="none" strike="noStrike" kern="1200" cap="none" spc="0" normalizeH="0" baseline="0" noProof="0" dirty="0">
+              <a:ln>
+                <a:noFill/>
+              </a:ln>
+              <a:solidFill>
+                <a:prstClr val="black"/>
+              </a:solidFill>
+              <a:effectLst/>
+              <a:uLnTx/>
+              <a:uFillTx/>
+              <a:latin typeface="맑은 고딕"/>
+              <a:ea typeface="맑은 고딕" panose="020B0503020000020004" pitchFamily="50" charset="-127"/>
+              <a:cs typeface="+mn-cs"/>
+            </a:endParaRPr>
+          </a:p>
+          <a:p>
+            <a:pPr marL="0" marR="0" lvl="0" indent="0" algn="l" defTabSz="1107796" rtl="0" eaLnBrk="1" fontAlgn="auto" latinLnBrk="1" hangingPunct="1">
+              <a:lnSpc>
+                <a:spcPct val="100000"/>
+              </a:lnSpc>
+              <a:spcBef>
+                <a:spcPts val="0"/>
+              </a:spcBef>
+              <a:spcAft>
+                <a:spcPts val="0"/>
+              </a:spcAft>
+              <a:buClrTx/>
+              <a:buSzTx/>
+              <a:buFontTx/>
+              <a:buNone/>
+              <a:tabLst/>
+              <a:defRPr/>
+            </a:pPr>
+            <a:endParaRPr lang="en-US" altLang="ko-KR" dirty="0">
+              <a:solidFill>
+                <a:prstClr val="black"/>
+              </a:solidFill>
+              <a:latin typeface="맑은 고딕"/>
+              <a:ea typeface="맑은 고딕" panose="020B0503020000020004" pitchFamily="50" charset="-127"/>
+            </a:endParaRPr>
+          </a:p>
+          <a:p>
+            <a:pPr marL="0" marR="0" lvl="0" indent="0" algn="l" defTabSz="1107796" rtl="0" eaLnBrk="1" fontAlgn="auto" latinLnBrk="1" hangingPunct="1">
+              <a:lnSpc>
+                <a:spcPct val="100000"/>
+              </a:lnSpc>
+              <a:spcBef>
+                <a:spcPts val="0"/>
+              </a:spcBef>
+              <a:spcAft>
+                <a:spcPts val="0"/>
+              </a:spcAft>
+              <a:buClrTx/>
+              <a:buSzTx/>
+              <a:buFontTx/>
+              <a:buNone/>
+              <a:tabLst/>
+              <a:defRPr/>
+            </a:pPr>
+            <a:endParaRPr kumimoji="0" lang="en-US" altLang="ko-KR" sz="2200" b="0" i="0" u="none" strike="noStrike" kern="1200" cap="none" spc="0" normalizeH="0" baseline="0" noProof="0" dirty="0">
+              <a:ln>
+                <a:noFill/>
+              </a:ln>
+              <a:solidFill>
+                <a:prstClr val="black"/>
+              </a:solidFill>
+              <a:effectLst/>
+              <a:uLnTx/>
+              <a:uFillTx/>
+              <a:latin typeface="맑은 고딕"/>
+              <a:ea typeface="맑은 고딕" panose="020B0503020000020004" pitchFamily="50" charset="-127"/>
+              <a:cs typeface="+mn-cs"/>
+            </a:endParaRPr>
+          </a:p>
+          <a:p>
+            <a:pPr marL="0" marR="0" lvl="0" indent="0" algn="l" defTabSz="1107796" rtl="0" eaLnBrk="1" fontAlgn="auto" latinLnBrk="1" hangingPunct="1">
+              <a:lnSpc>
+                <a:spcPct val="100000"/>
+              </a:lnSpc>
+              <a:spcBef>
+                <a:spcPts val="0"/>
+              </a:spcBef>
+              <a:spcAft>
+                <a:spcPts val="0"/>
+              </a:spcAft>
+              <a:buClrTx/>
+              <a:buSzTx/>
+              <a:buFontTx/>
+              <a:buNone/>
+              <a:tabLst/>
+              <a:defRPr/>
+            </a:pPr>
+            <a:endParaRPr lang="en-US" altLang="ko-KR" dirty="0">
+              <a:solidFill>
+                <a:prstClr val="black"/>
+              </a:solidFill>
+              <a:latin typeface="맑은 고딕"/>
+              <a:ea typeface="맑은 고딕" panose="020B0503020000020004" pitchFamily="50" charset="-127"/>
+            </a:endParaRPr>
+          </a:p>
+          <a:p>
+            <a:pPr marL="0" marR="0" lvl="0" indent="0" algn="l" defTabSz="1107796" rtl="0" eaLnBrk="1" fontAlgn="auto" latinLnBrk="1" hangingPunct="1">
+              <a:lnSpc>
+                <a:spcPct val="100000"/>
+              </a:lnSpc>
+              <a:spcBef>
+                <a:spcPts val="0"/>
+              </a:spcBef>
+              <a:spcAft>
+                <a:spcPts val="0"/>
+              </a:spcAft>
+              <a:buClrTx/>
+              <a:buSzTx/>
+              <a:buFontTx/>
+              <a:buNone/>
+              <a:tabLst/>
+              <a:defRPr/>
+            </a:pPr>
+            <a:endParaRPr kumimoji="0" lang="en-US" altLang="ko-KR" sz="2200" b="0" i="0" u="none" strike="noStrike" kern="1200" cap="none" spc="0" normalizeH="0" baseline="0" noProof="0" dirty="0">
+              <a:ln>
+                <a:noFill/>
+              </a:ln>
+              <a:solidFill>
+                <a:prstClr val="black"/>
+              </a:solidFill>
+              <a:effectLst/>
+              <a:uLnTx/>
+              <a:uFillTx/>
+              <a:latin typeface="맑은 고딕"/>
+              <a:ea typeface="맑은 고딕" panose="020B0503020000020004" pitchFamily="50" charset="-127"/>
+              <a:cs typeface="+mn-cs"/>
+            </a:endParaRPr>
+          </a:p>
+          <a:p>
+            <a:pPr marL="0" marR="0" lvl="0" indent="0" algn="l" defTabSz="1107796" rtl="0" eaLnBrk="1" fontAlgn="auto" latinLnBrk="1" hangingPunct="1">
+              <a:lnSpc>
+                <a:spcPct val="100000"/>
+              </a:lnSpc>
+              <a:spcBef>
+                <a:spcPts val="0"/>
+              </a:spcBef>
+              <a:spcAft>
+                <a:spcPts val="0"/>
+              </a:spcAft>
+              <a:buClrTx/>
+              <a:buSzTx/>
+              <a:buFontTx/>
+              <a:buNone/>
+              <a:tabLst/>
+              <a:defRPr/>
+            </a:pPr>
+            <a:endParaRPr lang="en-US" altLang="ko-KR" dirty="0">
+              <a:solidFill>
+                <a:prstClr val="black"/>
+              </a:solidFill>
+              <a:latin typeface="맑은 고딕"/>
+              <a:ea typeface="맑은 고딕" panose="020B0503020000020004" pitchFamily="50" charset="-127"/>
+            </a:endParaRPr>
+          </a:p>
+          <a:p>
+            <a:pPr marL="0" marR="0" lvl="0" indent="0" algn="l" defTabSz="1107796" rtl="0" eaLnBrk="1" fontAlgn="auto" latinLnBrk="1" hangingPunct="1">
+              <a:lnSpc>
+                <a:spcPct val="100000"/>
+              </a:lnSpc>
+              <a:spcBef>
+                <a:spcPts val="0"/>
+              </a:spcBef>
+              <a:spcAft>
+                <a:spcPts val="0"/>
+              </a:spcAft>
+              <a:buClrTx/>
+              <a:buSzTx/>
+              <a:buFontTx/>
+              <a:buNone/>
+              <a:tabLst/>
+              <a:defRPr/>
+            </a:pPr>
+            <a:endParaRPr kumimoji="0" lang="ko-KR" altLang="en-US" sz="2200" b="0" i="0" u="none" strike="noStrike" kern="1200" cap="none" spc="0" normalizeH="0" baseline="0" noProof="0" dirty="0">
+              <a:ln>
+                <a:noFill/>
+              </a:ln>
+              <a:solidFill>
+                <a:prstClr val="black"/>
+              </a:solidFill>
+              <a:effectLst/>
+              <a:uLnTx/>
+              <a:uFillTx/>
+              <a:latin typeface="맑은 고딕"/>
+              <a:ea typeface="맑은 고딕" panose="020B0503020000020004" pitchFamily="50" charset="-127"/>
+              <a:cs typeface="+mn-cs"/>
+            </a:endParaRPr>
+          </a:p>
+        </p:txBody>
+      </p:sp>
+      <p:sp>
+        <p:nvSpPr>
+          <p:cNvPr id="2" name="TextBox 1">
+            <a:extLst>
+              <a:ext uri="{FF2B5EF4-FFF2-40B4-BE49-F238E27FC236}">
+                <a16:creationId xmlns:a16="http://schemas.microsoft.com/office/drawing/2014/main" id="{DFBBB71B-7ED5-452D-8227-709D161A0F80}"/>
+              </a:ext>
+            </a:extLst>
+          </p:cNvPr>
+          <p:cNvSpPr txBox="1"/>
+          <p:nvPr/>
+        </p:nvSpPr>
+        <p:spPr>
+          <a:xfrm>
+            <a:off x="5576069" y="3852317"/>
+            <a:ext cx="3142328" cy="2708434"/>
+          </a:xfrm>
+          <a:prstGeom prst="rect">
+            <a:avLst/>
+          </a:prstGeom>
+          <a:noFill/>
+          <a:ln w="38100">
+            <a:solidFill>
+              <a:srgbClr val="FF0000"/>
+            </a:solidFill>
+          </a:ln>
+        </p:spPr>
+        <p:txBody>
+          <a:bodyPr wrap="square" rtlCol="0">
+            <a:spAutoFit/>
+          </a:bodyPr>
+          <a:lstStyle/>
+          <a:p>
+            <a:pPr marL="0" marR="0" lvl="0" indent="0" algn="l" defTabSz="1107796" rtl="0" eaLnBrk="1" fontAlgn="auto" latinLnBrk="1" hangingPunct="1">
+              <a:lnSpc>
+                <a:spcPct val="100000"/>
+              </a:lnSpc>
+              <a:spcBef>
+                <a:spcPts val="0"/>
+              </a:spcBef>
+              <a:spcAft>
+                <a:spcPts val="0"/>
+              </a:spcAft>
+              <a:buClrTx/>
+              <a:buSzTx/>
+              <a:buFontTx/>
+              <a:buNone/>
+              <a:tabLst/>
+              <a:defRPr/>
+            </a:pPr>
+            <a:endParaRPr kumimoji="0" lang="ko-KR" altLang="en-US" sz="2200" b="0" i="0" u="none" strike="noStrike" kern="1200" cap="none" spc="0" normalizeH="0" baseline="0" noProof="0" dirty="0">
+              <a:ln>
+                <a:noFill/>
+              </a:ln>
+              <a:solidFill>
+                <a:prstClr val="black"/>
+              </a:solidFill>
+              <a:effectLst/>
+              <a:uLnTx/>
+              <a:uFillTx/>
+              <a:latin typeface="맑은 고딕"/>
+              <a:ea typeface="맑은 고딕" panose="020B0503020000020004" pitchFamily="50" charset="-127"/>
+              <a:cs typeface="+mn-cs"/>
             </a:endParaRPr>
           </a:p>
         </p:txBody>
@@ -5821,7 +6422,7 @@
     </p:spTree>
     <p:extLst>
       <p:ext uri="{BB962C8B-B14F-4D97-AF65-F5344CB8AC3E}">
-        <p14:creationId xmlns:p14="http://schemas.microsoft.com/office/powerpoint/2010/main" val="3339102357"/>
+        <p14:creationId xmlns:p14="http://schemas.microsoft.com/office/powerpoint/2010/main" val="21412904"/>
       </p:ext>
     </p:extLst>
   </p:cSld>

--- a/Shared/[FastCampus] 8주차_강의자료_김경원박사.pptx
+++ b/Shared/[FastCampus] 8주차_강의자료_김경원박사.pptx
@@ -5,10 +5,10 @@
     <p:sldMasterId id="2147483648" r:id="rId1"/>
   </p:sldMasterIdLst>
   <p:notesMasterIdLst>
-    <p:notesMasterId r:id="rId39"/>
+    <p:notesMasterId r:id="rId43"/>
   </p:notesMasterIdLst>
   <p:handoutMasterIdLst>
-    <p:handoutMasterId r:id="rId40"/>
+    <p:handoutMasterId r:id="rId44"/>
   </p:handoutMasterIdLst>
   <p:sldIdLst>
     <p:sldId id="1063" r:id="rId2"/>
@@ -35,27 +35,31 @@
     <p:sldId id="1233" r:id="rId23"/>
     <p:sldId id="1235" r:id="rId24"/>
     <p:sldId id="1236" r:id="rId25"/>
-    <p:sldId id="1237" r:id="rId26"/>
-    <p:sldId id="1238" r:id="rId27"/>
-    <p:sldId id="1239" r:id="rId28"/>
-    <p:sldId id="1240" r:id="rId29"/>
-    <p:sldId id="1241" r:id="rId30"/>
-    <p:sldId id="1242" r:id="rId31"/>
-    <p:sldId id="1243" r:id="rId32"/>
-    <p:sldId id="1244" r:id="rId33"/>
-    <p:sldId id="1245" r:id="rId34"/>
-    <p:sldId id="1246" r:id="rId35"/>
-    <p:sldId id="1247" r:id="rId36"/>
-    <p:sldId id="1193" r:id="rId37"/>
-    <p:sldId id="1062" r:id="rId38"/>
+    <p:sldId id="1249" r:id="rId26"/>
+    <p:sldId id="1237" r:id="rId27"/>
+    <p:sldId id="1250" r:id="rId28"/>
+    <p:sldId id="1238" r:id="rId29"/>
+    <p:sldId id="1239" r:id="rId30"/>
+    <p:sldId id="1240" r:id="rId31"/>
+    <p:sldId id="1241" r:id="rId32"/>
+    <p:sldId id="1251" r:id="rId33"/>
+    <p:sldId id="1252" r:id="rId34"/>
+    <p:sldId id="1242" r:id="rId35"/>
+    <p:sldId id="1243" r:id="rId36"/>
+    <p:sldId id="1244" r:id="rId37"/>
+    <p:sldId id="1245" r:id="rId38"/>
+    <p:sldId id="1246" r:id="rId39"/>
+    <p:sldId id="1247" r:id="rId40"/>
+    <p:sldId id="1193" r:id="rId41"/>
+    <p:sldId id="1062" r:id="rId42"/>
   </p:sldIdLst>
   <p:sldSz cx="12160250" cy="6840538"/>
   <p:notesSz cx="9874250" cy="6797675"/>
   <p:embeddedFontLst>
     <p:embeddedFont>
       <p:font typeface="맑은 고딕" panose="020B0503020000020004" pitchFamily="50" charset="-127"/>
-      <p:regular r:id="rId41"/>
-      <p:bold r:id="rId42"/>
+      <p:regular r:id="rId45"/>
+      <p:bold r:id="rId46"/>
     </p:embeddedFont>
   </p:embeddedFontLst>
   <p:defaultTextStyle>
@@ -268,7 +272,7 @@
           <a:p>
             <a:fld id="{FC718EE8-BF93-4A17-BED5-FC99EECA5FC7}" type="datetimeFigureOut">
               <a:rPr lang="ko-KR" altLang="en-US" smtClean="0"/>
-              <a:t>2019-08-04</a:t>
+              <a:t>2020-01-04</a:t>
             </a:fld>
             <a:endParaRPr lang="ko-KR" altLang="en-US"/>
           </a:p>
@@ -433,7 +437,7 @@
           <a:p>
             <a:fld id="{6101F873-BA02-446B-9127-C4DE4310B943}" type="datetimeFigureOut">
               <a:rPr lang="ko-KR" altLang="en-US" smtClean="0"/>
-              <a:t>2019-08-04</a:t>
+              <a:t>2020-01-04</a:t>
             </a:fld>
             <a:endParaRPr lang="ko-KR" altLang="en-US"/>
           </a:p>
@@ -1023,7 +1027,7 @@
           <a:p>
             <a:fld id="{89B5E594-86C5-4F1D-8812-38DF40064943}" type="datetime1">
               <a:rPr lang="ko-KR" altLang="en-US" smtClean="0"/>
-              <a:t>2019-08-04</a:t>
+              <a:t>2020-01-04</a:t>
             </a:fld>
             <a:endParaRPr lang="ko-KR" altLang="en-US"/>
           </a:p>
@@ -1231,7 +1235,7 @@
           <a:p>
             <a:fld id="{05C0B17C-522D-4CD8-8139-01EDEBAB2AF6}" type="datetime1">
               <a:rPr lang="ko-KR" altLang="en-US" smtClean="0"/>
-              <a:t>2019-08-04</a:t>
+              <a:t>2020-01-04</a:t>
             </a:fld>
             <a:endParaRPr lang="ko-KR" altLang="en-US"/>
           </a:p>
@@ -1409,7 +1413,7 @@
           <a:p>
             <a:fld id="{7345261C-38F3-40E7-AAA6-CE27B727AA65}" type="datetime1">
               <a:rPr lang="ko-KR" altLang="en-US" smtClean="0"/>
-              <a:t>2019-08-04</a:t>
+              <a:t>2020-01-04</a:t>
             </a:fld>
             <a:endParaRPr lang="ko-KR" altLang="en-US"/>
           </a:p>
@@ -1577,7 +1581,7 @@
           <a:p>
             <a:fld id="{A8472951-AD8C-47B8-8787-30E2F4BFA1EA}" type="datetime1">
               <a:rPr lang="ko-KR" altLang="en-US" smtClean="0"/>
-              <a:t>2019-08-04</a:t>
+              <a:t>2020-01-04</a:t>
             </a:fld>
             <a:endParaRPr lang="ko-KR" altLang="en-US"/>
           </a:p>
@@ -1832,7 +1836,7 @@
           <a:p>
             <a:fld id="{8BCB1BBF-13D1-46E6-8B8B-C9F26A0BAD91}" type="datetime1">
               <a:rPr lang="ko-KR" altLang="en-US" smtClean="0"/>
-              <a:t>2019-08-04</a:t>
+              <a:t>2020-01-04</a:t>
             </a:fld>
             <a:endParaRPr lang="ko-KR" altLang="en-US"/>
           </a:p>
@@ -2117,7 +2121,7 @@
           <a:p>
             <a:fld id="{B16FDC3D-FD6A-49DF-B101-11717D57279F}" type="datetime1">
               <a:rPr lang="ko-KR" altLang="en-US" smtClean="0"/>
-              <a:t>2019-08-04</a:t>
+              <a:t>2020-01-04</a:t>
             </a:fld>
             <a:endParaRPr lang="ko-KR" altLang="en-US"/>
           </a:p>
@@ -2536,7 +2540,7 @@
           <a:p>
             <a:fld id="{42D411A2-FD90-4A19-98A8-25197A66BC26}" type="datetime1">
               <a:rPr lang="ko-KR" altLang="en-US" smtClean="0"/>
-              <a:t>2019-08-04</a:t>
+              <a:t>2020-01-04</a:t>
             </a:fld>
             <a:endParaRPr lang="ko-KR" altLang="en-US"/>
           </a:p>
@@ -2653,7 +2657,7 @@
           <a:p>
             <a:fld id="{F6E6B532-6471-449A-9A2F-4428556C2F98}" type="datetime1">
               <a:rPr lang="ko-KR" altLang="en-US" smtClean="0"/>
-              <a:t>2019-08-04</a:t>
+              <a:t>2020-01-04</a:t>
             </a:fld>
             <a:endParaRPr lang="ko-KR" altLang="en-US"/>
           </a:p>
@@ -2748,7 +2752,7 @@
           <a:p>
             <a:fld id="{45A9E13B-856D-4562-A86D-A2B6F7BF810F}" type="datetime1">
               <a:rPr lang="ko-KR" altLang="en-US" smtClean="0"/>
-              <a:t>2019-08-04</a:t>
+              <a:t>2020-01-04</a:t>
             </a:fld>
             <a:endParaRPr lang="ko-KR" altLang="en-US"/>
           </a:p>
@@ -3023,7 +3027,7 @@
           <a:p>
             <a:fld id="{A672FB3A-7E9E-4380-9381-6FCA87FBB41A}" type="datetime1">
               <a:rPr lang="ko-KR" altLang="en-US" smtClean="0"/>
-              <a:t>2019-08-04</a:t>
+              <a:t>2020-01-04</a:t>
             </a:fld>
             <a:endParaRPr lang="ko-KR" altLang="en-US"/>
           </a:p>
@@ -3275,7 +3279,7 @@
           <a:p>
             <a:fld id="{3948CCBA-1514-4E9E-888A-807450F810B0}" type="datetime1">
               <a:rPr lang="ko-KR" altLang="en-US" smtClean="0"/>
-              <a:t>2019-08-04</a:t>
+              <a:t>2020-01-04</a:t>
             </a:fld>
             <a:endParaRPr lang="ko-KR" altLang="en-US"/>
           </a:p>
@@ -3488,7 +3492,7 @@
           <a:p>
             <a:fld id="{170EDEE7-370E-499F-B978-ABF387098974}" type="datetime1">
               <a:rPr lang="ko-KR" altLang="en-US" smtClean="0"/>
-              <a:t>2019-08-04</a:t>
+              <a:t>2020-01-04</a:t>
             </a:fld>
             <a:endParaRPr lang="ko-KR" altLang="en-US" dirty="0"/>
           </a:p>
@@ -7237,7 +7241,7 @@
         </p:spPr>
         <p:txBody>
           <a:bodyPr>
-            <a:normAutofit/>
+            <a:normAutofit fontScale="90000"/>
           </a:bodyPr>
           <a:lstStyle/>
           <a:p>
@@ -7266,7 +7270,32 @@
                 <a:latin typeface="Noto Sans CJK KR Black" pitchFamily="34" charset="-127"/>
                 <a:ea typeface="Noto Sans CJK KR Black" pitchFamily="34" charset="-127"/>
               </a:rPr>
-              <a:t>비선형 시계열 알고리즘</a:t>
+              <a:t>비선형 </a:t>
+            </a:r>
+            <a:br>
+              <a:rPr lang="en-US" altLang="ko-KR" sz="4400" dirty="0">
+                <a:solidFill>
+                  <a:schemeClr val="tx1">
+                    <a:lumMod val="75000"/>
+                    <a:lumOff val="25000"/>
+                  </a:schemeClr>
+                </a:solidFill>
+                <a:latin typeface="Noto Sans CJK KR Black" pitchFamily="34" charset="-127"/>
+                <a:ea typeface="Noto Sans CJK KR Black" pitchFamily="34" charset="-127"/>
+              </a:rPr>
+            </a:br>
+            <a:r>
+              <a:rPr lang="ko-KR" altLang="en-US" sz="4400" dirty="0">
+                <a:solidFill>
+                  <a:schemeClr val="tx1">
+                    <a:lumMod val="75000"/>
+                    <a:lumOff val="25000"/>
+                  </a:schemeClr>
+                </a:solidFill>
+                <a:latin typeface="Noto Sans CJK KR Black" pitchFamily="34" charset="-127"/>
+                <a:ea typeface="Noto Sans CJK KR Black" pitchFamily="34" charset="-127"/>
+              </a:rPr>
+              <a:t>시계열 알고리즘</a:t>
             </a:r>
             <a:endParaRPr lang="ko-KR" altLang="en-US" sz="4400" dirty="0">
               <a:solidFill>
@@ -7305,10 +7334,10 @@
       </p:sp>
       <p:pic>
         <p:nvPicPr>
-          <p:cNvPr id="2" name="그림 1">
+          <p:cNvPr id="4" name="그림 3">
             <a:extLst>
               <a:ext uri="{FF2B5EF4-FFF2-40B4-BE49-F238E27FC236}">
-                <a16:creationId xmlns:a16="http://schemas.microsoft.com/office/drawing/2014/main" id="{5A6C99E8-84A8-411E-9550-CD069DEC1246}"/>
+                <a16:creationId xmlns:a16="http://schemas.microsoft.com/office/drawing/2014/main" id="{3047B322-3BD5-4BE8-8875-F21BF0A1C872}"/>
               </a:ext>
             </a:extLst>
           </p:cNvPr>
@@ -7325,8 +7354,8 @@
         </p:blipFill>
         <p:spPr>
           <a:xfrm>
-            <a:off x="2436812" y="1908101"/>
-            <a:ext cx="7286625" cy="3933825"/>
+            <a:off x="2713037" y="2289262"/>
+            <a:ext cx="6734175" cy="3486150"/>
           </a:xfrm>
           <a:prstGeom prst="rect">
             <a:avLst/>
@@ -7336,7 +7365,7 @@
     </p:spTree>
     <p:extLst>
       <p:ext uri="{BB962C8B-B14F-4D97-AF65-F5344CB8AC3E}">
-        <p14:creationId xmlns:p14="http://schemas.microsoft.com/office/powerpoint/2010/main" val="1581352796"/>
+        <p14:creationId xmlns:p14="http://schemas.microsoft.com/office/powerpoint/2010/main" val="1715250108"/>
       </p:ext>
     </p:extLst>
   </p:cSld>
@@ -7452,7 +7481,7 @@
           <p:cNvPr id="2" name="그림 1">
             <a:extLst>
               <a:ext uri="{FF2B5EF4-FFF2-40B4-BE49-F238E27FC236}">
-                <a16:creationId xmlns:a16="http://schemas.microsoft.com/office/drawing/2014/main" id="{CC7BC657-5431-491D-BBE8-824046DE1BE9}"/>
+                <a16:creationId xmlns:a16="http://schemas.microsoft.com/office/drawing/2014/main" id="{5A6C99E8-84A8-411E-9550-CD069DEC1246}"/>
               </a:ext>
             </a:extLst>
           </p:cNvPr>
@@ -7469,8 +7498,8 @@
         </p:blipFill>
         <p:spPr>
           <a:xfrm>
-            <a:off x="2451100" y="2052117"/>
-            <a:ext cx="7258050" cy="3162300"/>
+            <a:off x="2436812" y="1908101"/>
+            <a:ext cx="7286625" cy="3933825"/>
           </a:xfrm>
           <a:prstGeom prst="rect">
             <a:avLst/>
@@ -7480,7 +7509,7 @@
     </p:spTree>
     <p:extLst>
       <p:ext uri="{BB962C8B-B14F-4D97-AF65-F5344CB8AC3E}">
-        <p14:creationId xmlns:p14="http://schemas.microsoft.com/office/powerpoint/2010/main" val="3932177623"/>
+        <p14:creationId xmlns:p14="http://schemas.microsoft.com/office/powerpoint/2010/main" val="1581352796"/>
       </p:ext>
     </p:extLst>
   </p:cSld>
@@ -7525,7 +7554,7 @@
         </p:spPr>
         <p:txBody>
           <a:bodyPr>
-            <a:normAutofit/>
+            <a:normAutofit fontScale="90000"/>
           </a:bodyPr>
           <a:lstStyle/>
           <a:p>
@@ -7541,20 +7570,7 @@
                 <a:latin typeface="Noto Sans CJK KR Black" pitchFamily="34" charset="-127"/>
                 <a:ea typeface="Noto Sans CJK KR Black" pitchFamily="34" charset="-127"/>
               </a:rPr>
-              <a:t>2. </a:t>
-            </a:r>
-            <a:r>
-              <a:rPr lang="ko-KR" altLang="en-US" sz="4400" dirty="0" err="1">
-                <a:solidFill>
-                  <a:schemeClr val="tx1">
-                    <a:lumMod val="75000"/>
-                    <a:lumOff val="25000"/>
-                  </a:schemeClr>
-                </a:solidFill>
-                <a:latin typeface="Noto Sans CJK KR Black" pitchFamily="34" charset="-127"/>
-                <a:ea typeface="Noto Sans CJK KR Black" pitchFamily="34" charset="-127"/>
-              </a:rPr>
-              <a:t>다변량</a:t>
+              <a:t>1. </a:t>
             </a:r>
             <a:r>
               <a:rPr lang="ko-KR" altLang="en-US" sz="4400" dirty="0">
@@ -7567,7 +7583,32 @@
                 <a:latin typeface="Noto Sans CJK KR Black" pitchFamily="34" charset="-127"/>
                 <a:ea typeface="Noto Sans CJK KR Black" pitchFamily="34" charset="-127"/>
               </a:rPr>
-              <a:t> 시계열 알고리즘</a:t>
+              <a:t>비선형 </a:t>
+            </a:r>
+            <a:br>
+              <a:rPr lang="en-US" altLang="ko-KR" sz="4400" dirty="0">
+                <a:solidFill>
+                  <a:schemeClr val="tx1">
+                    <a:lumMod val="75000"/>
+                    <a:lumOff val="25000"/>
+                  </a:schemeClr>
+                </a:solidFill>
+                <a:latin typeface="Noto Sans CJK KR Black" pitchFamily="34" charset="-127"/>
+                <a:ea typeface="Noto Sans CJK KR Black" pitchFamily="34" charset="-127"/>
+              </a:rPr>
+            </a:br>
+            <a:r>
+              <a:rPr lang="ko-KR" altLang="en-US" sz="4400" dirty="0">
+                <a:solidFill>
+                  <a:schemeClr val="tx1">
+                    <a:lumMod val="75000"/>
+                    <a:lumOff val="25000"/>
+                  </a:schemeClr>
+                </a:solidFill>
+                <a:latin typeface="Noto Sans CJK KR Black" pitchFamily="34" charset="-127"/>
+                <a:ea typeface="Noto Sans CJK KR Black" pitchFamily="34" charset="-127"/>
+              </a:rPr>
+              <a:t>시계열 알고리즘</a:t>
             </a:r>
             <a:endParaRPr lang="ko-KR" altLang="en-US" sz="4400" dirty="0">
               <a:solidFill>
@@ -7606,10 +7647,10 @@
       </p:sp>
       <p:pic>
         <p:nvPicPr>
-          <p:cNvPr id="2" name="그림 1">
+          <p:cNvPr id="4" name="그림 3">
             <a:extLst>
               <a:ext uri="{FF2B5EF4-FFF2-40B4-BE49-F238E27FC236}">
-                <a16:creationId xmlns:a16="http://schemas.microsoft.com/office/drawing/2014/main" id="{2A5C9009-AE75-455B-A1F9-703D04600047}"/>
+                <a16:creationId xmlns:a16="http://schemas.microsoft.com/office/drawing/2014/main" id="{89891518-F107-4127-A802-20C6BFF551DE}"/>
               </a:ext>
             </a:extLst>
           </p:cNvPr>
@@ -7626,8 +7667,8 @@
         </p:blipFill>
         <p:spPr>
           <a:xfrm>
-            <a:off x="2703512" y="1980109"/>
-            <a:ext cx="6753225" cy="3524250"/>
+            <a:off x="4639965" y="0"/>
+            <a:ext cx="7055649" cy="6840538"/>
           </a:xfrm>
           <a:prstGeom prst="rect">
             <a:avLst/>
@@ -7637,7 +7678,7 @@
     </p:spTree>
     <p:extLst>
       <p:ext uri="{BB962C8B-B14F-4D97-AF65-F5344CB8AC3E}">
-        <p14:creationId xmlns:p14="http://schemas.microsoft.com/office/powerpoint/2010/main" val="403896383"/>
+        <p14:creationId xmlns:p14="http://schemas.microsoft.com/office/powerpoint/2010/main" val="700418281"/>
       </p:ext>
     </p:extLst>
   </p:cSld>
@@ -7682,7 +7723,7 @@
         </p:spPr>
         <p:txBody>
           <a:bodyPr>
-            <a:normAutofit fontScale="90000"/>
+            <a:normAutofit/>
           </a:bodyPr>
           <a:lstStyle/>
           <a:p>
@@ -7698,20 +7739,7 @@
                 <a:latin typeface="Noto Sans CJK KR Black" pitchFamily="34" charset="-127"/>
                 <a:ea typeface="Noto Sans CJK KR Black" pitchFamily="34" charset="-127"/>
               </a:rPr>
-              <a:t>2. </a:t>
-            </a:r>
-            <a:r>
-              <a:rPr lang="ko-KR" altLang="en-US" sz="4400" dirty="0" err="1">
-                <a:solidFill>
-                  <a:schemeClr val="tx1">
-                    <a:lumMod val="75000"/>
-                    <a:lumOff val="25000"/>
-                  </a:schemeClr>
-                </a:solidFill>
-                <a:latin typeface="Noto Sans CJK KR Black" pitchFamily="34" charset="-127"/>
-                <a:ea typeface="Noto Sans CJK KR Black" pitchFamily="34" charset="-127"/>
-              </a:rPr>
-              <a:t>다변량</a:t>
+              <a:t>1. </a:t>
             </a:r>
             <a:r>
               <a:rPr lang="ko-KR" altLang="en-US" sz="4400" dirty="0">
@@ -7724,32 +7752,7 @@
                 <a:latin typeface="Noto Sans CJK KR Black" pitchFamily="34" charset="-127"/>
                 <a:ea typeface="Noto Sans CJK KR Black" pitchFamily="34" charset="-127"/>
               </a:rPr>
-              <a:t> </a:t>
-            </a:r>
-            <a:br>
-              <a:rPr lang="en-US" altLang="ko-KR" sz="4400" dirty="0">
-                <a:solidFill>
-                  <a:schemeClr val="tx1">
-                    <a:lumMod val="75000"/>
-                    <a:lumOff val="25000"/>
-                  </a:schemeClr>
-                </a:solidFill>
-                <a:latin typeface="Noto Sans CJK KR Black" pitchFamily="34" charset="-127"/>
-                <a:ea typeface="Noto Sans CJK KR Black" pitchFamily="34" charset="-127"/>
-              </a:rPr>
-            </a:br>
-            <a:r>
-              <a:rPr lang="ko-KR" altLang="en-US" sz="4400" dirty="0">
-                <a:solidFill>
-                  <a:schemeClr val="tx1">
-                    <a:lumMod val="75000"/>
-                    <a:lumOff val="25000"/>
-                  </a:schemeClr>
-                </a:solidFill>
-                <a:latin typeface="Noto Sans CJK KR Black" pitchFamily="34" charset="-127"/>
-                <a:ea typeface="Noto Sans CJK KR Black" pitchFamily="34" charset="-127"/>
-              </a:rPr>
-              <a:t>시계열 알고리즘</a:t>
+              <a:t>비선형 시계열 알고리즘</a:t>
             </a:r>
             <a:endParaRPr lang="ko-KR" altLang="en-US" sz="4400" dirty="0">
               <a:solidFill>
@@ -7791,7 +7794,7 @@
           <p:cNvPr id="2" name="그림 1">
             <a:extLst>
               <a:ext uri="{FF2B5EF4-FFF2-40B4-BE49-F238E27FC236}">
-                <a16:creationId xmlns:a16="http://schemas.microsoft.com/office/drawing/2014/main" id="{D2BD7914-B73F-471A-842E-CF9A98012C3C}"/>
+                <a16:creationId xmlns:a16="http://schemas.microsoft.com/office/drawing/2014/main" id="{CC7BC657-5431-491D-BBE8-824046DE1BE9}"/>
               </a:ext>
             </a:extLst>
           </p:cNvPr>
@@ -7808,8 +7811,8 @@
         </p:blipFill>
         <p:spPr>
           <a:xfrm>
-            <a:off x="5035164" y="0"/>
-            <a:ext cx="6504619" cy="6840538"/>
+            <a:off x="2451100" y="2052117"/>
+            <a:ext cx="7258050" cy="3162300"/>
           </a:xfrm>
           <a:prstGeom prst="rect">
             <a:avLst/>
@@ -7819,7 +7822,7 @@
     </p:spTree>
     <p:extLst>
       <p:ext uri="{BB962C8B-B14F-4D97-AF65-F5344CB8AC3E}">
-        <p14:creationId xmlns:p14="http://schemas.microsoft.com/office/powerpoint/2010/main" val="740384109"/>
+        <p14:creationId xmlns:p14="http://schemas.microsoft.com/office/powerpoint/2010/main" val="3932177623"/>
       </p:ext>
     </p:extLst>
   </p:cSld>
@@ -7948,7 +7951,7 @@
           <p:cNvPr id="2" name="그림 1">
             <a:extLst>
               <a:ext uri="{FF2B5EF4-FFF2-40B4-BE49-F238E27FC236}">
-                <a16:creationId xmlns:a16="http://schemas.microsoft.com/office/drawing/2014/main" id="{BE7C4D17-708F-4947-9CB7-1D2063DFB11F}"/>
+                <a16:creationId xmlns:a16="http://schemas.microsoft.com/office/drawing/2014/main" id="{2A5C9009-AE75-455B-A1F9-703D04600047}"/>
               </a:ext>
             </a:extLst>
           </p:cNvPr>
@@ -7965,8 +7968,8 @@
         </p:blipFill>
         <p:spPr>
           <a:xfrm>
-            <a:off x="1212850" y="1836093"/>
-            <a:ext cx="9734550" cy="4057650"/>
+            <a:off x="2703512" y="1980109"/>
+            <a:ext cx="6753225" cy="3524250"/>
           </a:xfrm>
           <a:prstGeom prst="rect">
             <a:avLst/>
@@ -7976,7 +7979,7 @@
     </p:spTree>
     <p:extLst>
       <p:ext uri="{BB962C8B-B14F-4D97-AF65-F5344CB8AC3E}">
-        <p14:creationId xmlns:p14="http://schemas.microsoft.com/office/powerpoint/2010/main" val="654827926"/>
+        <p14:creationId xmlns:p14="http://schemas.microsoft.com/office/powerpoint/2010/main" val="403896383"/>
       </p:ext>
     </p:extLst>
   </p:cSld>
@@ -8244,7 +8247,7 @@
           <p:cNvPr id="2" name="그림 1">
             <a:extLst>
               <a:ext uri="{FF2B5EF4-FFF2-40B4-BE49-F238E27FC236}">
-                <a16:creationId xmlns:a16="http://schemas.microsoft.com/office/drawing/2014/main" id="{D4C44B78-53E1-4DCC-B530-04C578725F32}"/>
+                <a16:creationId xmlns:a16="http://schemas.microsoft.com/office/drawing/2014/main" id="{D2BD7914-B73F-471A-842E-CF9A98012C3C}"/>
               </a:ext>
             </a:extLst>
           </p:cNvPr>
@@ -8261,8 +8264,8 @@
         </p:blipFill>
         <p:spPr>
           <a:xfrm>
-            <a:off x="4135909" y="0"/>
-            <a:ext cx="7697885" cy="6840538"/>
+            <a:off x="5035164" y="0"/>
+            <a:ext cx="6504619" cy="6840538"/>
           </a:xfrm>
           <a:prstGeom prst="rect">
             <a:avLst/>
@@ -8272,7 +8275,7 @@
     </p:spTree>
     <p:extLst>
       <p:ext uri="{BB962C8B-B14F-4D97-AF65-F5344CB8AC3E}">
-        <p14:creationId xmlns:p14="http://schemas.microsoft.com/office/powerpoint/2010/main" val="1053481196"/>
+        <p14:creationId xmlns:p14="http://schemas.microsoft.com/office/powerpoint/2010/main" val="740384109"/>
       </p:ext>
     </p:extLst>
   </p:cSld>
@@ -8401,7 +8404,7 @@
           <p:cNvPr id="2" name="그림 1">
             <a:extLst>
               <a:ext uri="{FF2B5EF4-FFF2-40B4-BE49-F238E27FC236}">
-                <a16:creationId xmlns:a16="http://schemas.microsoft.com/office/drawing/2014/main" id="{22AC9117-458F-4CDF-B53F-28194144D755}"/>
+                <a16:creationId xmlns:a16="http://schemas.microsoft.com/office/drawing/2014/main" id="{BE7C4D17-708F-4947-9CB7-1D2063DFB11F}"/>
               </a:ext>
             </a:extLst>
           </p:cNvPr>
@@ -8418,8 +8421,8 @@
         </p:blipFill>
         <p:spPr>
           <a:xfrm>
-            <a:off x="2451100" y="2686844"/>
-            <a:ext cx="7258050" cy="1466850"/>
+            <a:off x="1212850" y="1836093"/>
+            <a:ext cx="9734550" cy="4057650"/>
           </a:xfrm>
           <a:prstGeom prst="rect">
             <a:avLst/>
@@ -8429,7 +8432,7 @@
     </p:spTree>
     <p:extLst>
       <p:ext uri="{BB962C8B-B14F-4D97-AF65-F5344CB8AC3E}">
-        <p14:creationId xmlns:p14="http://schemas.microsoft.com/office/powerpoint/2010/main" val="1853282591"/>
+        <p14:creationId xmlns:p14="http://schemas.microsoft.com/office/powerpoint/2010/main" val="654827926"/>
       </p:ext>
     </p:extLst>
   </p:cSld>
@@ -8474,7 +8477,7 @@
         </p:spPr>
         <p:txBody>
           <a:bodyPr>
-            <a:normAutofit/>
+            <a:normAutofit fontScale="90000"/>
           </a:bodyPr>
           <a:lstStyle/>
           <a:p>
@@ -8516,7 +8519,32 @@
                 <a:latin typeface="Noto Sans CJK KR Black" pitchFamily="34" charset="-127"/>
                 <a:ea typeface="Noto Sans CJK KR Black" pitchFamily="34" charset="-127"/>
               </a:rPr>
-              <a:t> 시계열 알고리즘</a:t>
+              <a:t> </a:t>
+            </a:r>
+            <a:br>
+              <a:rPr lang="en-US" altLang="ko-KR" sz="4400" dirty="0">
+                <a:solidFill>
+                  <a:schemeClr val="tx1">
+                    <a:lumMod val="75000"/>
+                    <a:lumOff val="25000"/>
+                  </a:schemeClr>
+                </a:solidFill>
+                <a:latin typeface="Noto Sans CJK KR Black" pitchFamily="34" charset="-127"/>
+                <a:ea typeface="Noto Sans CJK KR Black" pitchFamily="34" charset="-127"/>
+              </a:rPr>
+            </a:br>
+            <a:r>
+              <a:rPr lang="ko-KR" altLang="en-US" sz="4400" dirty="0">
+                <a:solidFill>
+                  <a:schemeClr val="tx1">
+                    <a:lumMod val="75000"/>
+                    <a:lumOff val="25000"/>
+                  </a:schemeClr>
+                </a:solidFill>
+                <a:latin typeface="Noto Sans CJK KR Black" pitchFamily="34" charset="-127"/>
+                <a:ea typeface="Noto Sans CJK KR Black" pitchFamily="34" charset="-127"/>
+              </a:rPr>
+              <a:t>시계열 알고리즘</a:t>
             </a:r>
             <a:endParaRPr lang="ko-KR" altLang="en-US" sz="4400" dirty="0">
               <a:solidFill>
@@ -8555,10 +8583,10 @@
       </p:sp>
       <p:pic>
         <p:nvPicPr>
-          <p:cNvPr id="2" name="그림 1">
+          <p:cNvPr id="4" name="그림 3">
             <a:extLst>
               <a:ext uri="{FF2B5EF4-FFF2-40B4-BE49-F238E27FC236}">
-                <a16:creationId xmlns:a16="http://schemas.microsoft.com/office/drawing/2014/main" id="{28562A85-5166-47CB-9A1A-EBA202036AAE}"/>
+                <a16:creationId xmlns:a16="http://schemas.microsoft.com/office/drawing/2014/main" id="{9BB48EB0-47C0-4CA2-B320-2F782C233DD8}"/>
               </a:ext>
             </a:extLst>
           </p:cNvPr>
@@ -8575,8 +8603,8 @@
         </p:blipFill>
         <p:spPr>
           <a:xfrm>
-            <a:off x="2565400" y="1980109"/>
-            <a:ext cx="7029450" cy="3543300"/>
+            <a:off x="4567957" y="595291"/>
+            <a:ext cx="7305675" cy="5724525"/>
           </a:xfrm>
           <a:prstGeom prst="rect">
             <a:avLst/>
@@ -8586,7 +8614,7 @@
     </p:spTree>
     <p:extLst>
       <p:ext uri="{BB962C8B-B14F-4D97-AF65-F5344CB8AC3E}">
-        <p14:creationId xmlns:p14="http://schemas.microsoft.com/office/powerpoint/2010/main" val="1382955336"/>
+        <p14:creationId xmlns:p14="http://schemas.microsoft.com/office/powerpoint/2010/main" val="358819477"/>
       </p:ext>
     </p:extLst>
   </p:cSld>
@@ -8631,7 +8659,7 @@
         </p:spPr>
         <p:txBody>
           <a:bodyPr>
-            <a:normAutofit/>
+            <a:normAutofit fontScale="90000"/>
           </a:bodyPr>
           <a:lstStyle/>
           <a:p>
@@ -8673,7 +8701,32 @@
                 <a:latin typeface="Noto Sans CJK KR Black" pitchFamily="34" charset="-127"/>
                 <a:ea typeface="Noto Sans CJK KR Black" pitchFamily="34" charset="-127"/>
               </a:rPr>
-              <a:t> 시계열 알고리즘</a:t>
+              <a:t> </a:t>
+            </a:r>
+            <a:br>
+              <a:rPr lang="en-US" altLang="ko-KR" sz="4400" dirty="0">
+                <a:solidFill>
+                  <a:schemeClr val="tx1">
+                    <a:lumMod val="75000"/>
+                    <a:lumOff val="25000"/>
+                  </a:schemeClr>
+                </a:solidFill>
+                <a:latin typeface="Noto Sans CJK KR Black" pitchFamily="34" charset="-127"/>
+                <a:ea typeface="Noto Sans CJK KR Black" pitchFamily="34" charset="-127"/>
+              </a:rPr>
+            </a:br>
+            <a:r>
+              <a:rPr lang="ko-KR" altLang="en-US" sz="4400" dirty="0">
+                <a:solidFill>
+                  <a:schemeClr val="tx1">
+                    <a:lumMod val="75000"/>
+                    <a:lumOff val="25000"/>
+                  </a:schemeClr>
+                </a:solidFill>
+                <a:latin typeface="Noto Sans CJK KR Black" pitchFamily="34" charset="-127"/>
+                <a:ea typeface="Noto Sans CJK KR Black" pitchFamily="34" charset="-127"/>
+              </a:rPr>
+              <a:t>시계열 알고리즘</a:t>
             </a:r>
             <a:endParaRPr lang="ko-KR" altLang="en-US" sz="4400" dirty="0">
               <a:solidFill>
@@ -8715,7 +8768,7 @@
           <p:cNvPr id="2" name="그림 1">
             <a:extLst>
               <a:ext uri="{FF2B5EF4-FFF2-40B4-BE49-F238E27FC236}">
-                <a16:creationId xmlns:a16="http://schemas.microsoft.com/office/drawing/2014/main" id="{D72FA8AA-8FE8-41E4-95F4-404E0F15A76D}"/>
+                <a16:creationId xmlns:a16="http://schemas.microsoft.com/office/drawing/2014/main" id="{AA50D4E4-06D7-4AE2-9698-B4D3BD8FFB34}"/>
               </a:ext>
             </a:extLst>
           </p:cNvPr>
@@ -8732,8 +8785,8 @@
         </p:blipFill>
         <p:spPr>
           <a:xfrm>
-            <a:off x="1436687" y="1620745"/>
-            <a:ext cx="9286875" cy="4933950"/>
+            <a:off x="4927997" y="457573"/>
+            <a:ext cx="6543675" cy="5915025"/>
           </a:xfrm>
           <a:prstGeom prst="rect">
             <a:avLst/>
@@ -8743,7 +8796,7 @@
     </p:spTree>
     <p:extLst>
       <p:ext uri="{BB962C8B-B14F-4D97-AF65-F5344CB8AC3E}">
-        <p14:creationId xmlns:p14="http://schemas.microsoft.com/office/powerpoint/2010/main" val="1888673470"/>
+        <p14:creationId xmlns:p14="http://schemas.microsoft.com/office/powerpoint/2010/main" val="2392007208"/>
       </p:ext>
     </p:extLst>
   </p:cSld>
@@ -8782,7 +8835,7 @@
         </p:nvSpPr>
         <p:spPr>
           <a:xfrm>
-            <a:off x="608012" y="971997"/>
+            <a:off x="608016" y="551987"/>
             <a:ext cx="10944225" cy="1140090"/>
           </a:xfrm>
         </p:spPr>
@@ -8819,6 +8872,19 @@
               </a:rPr>
               <a:t>다변량</a:t>
             </a:r>
+            <a:r>
+              <a:rPr lang="ko-KR" altLang="en-US" sz="4400" dirty="0">
+                <a:solidFill>
+                  <a:schemeClr val="tx1">
+                    <a:lumMod val="75000"/>
+                    <a:lumOff val="25000"/>
+                  </a:schemeClr>
+                </a:solidFill>
+                <a:latin typeface="Noto Sans CJK KR Black" pitchFamily="34" charset="-127"/>
+                <a:ea typeface="Noto Sans CJK KR Black" pitchFamily="34" charset="-127"/>
+              </a:rPr>
+              <a:t> </a:t>
+            </a:r>
             <a:br>
               <a:rPr lang="en-US" altLang="ko-KR" sz="4400" dirty="0">
                 <a:solidFill>
@@ -8842,32 +8908,7 @@
                 <a:latin typeface="Noto Sans CJK KR Black" pitchFamily="34" charset="-127"/>
                 <a:ea typeface="Noto Sans CJK KR Black" pitchFamily="34" charset="-127"/>
               </a:rPr>
-              <a:t> 시계열 </a:t>
-            </a:r>
-            <a:br>
-              <a:rPr lang="en-US" altLang="ko-KR" sz="4400" dirty="0">
-                <a:solidFill>
-                  <a:schemeClr val="tx1">
-                    <a:lumMod val="75000"/>
-                    <a:lumOff val="25000"/>
-                  </a:schemeClr>
-                </a:solidFill>
-                <a:latin typeface="Noto Sans CJK KR Black" pitchFamily="34" charset="-127"/>
-                <a:ea typeface="Noto Sans CJK KR Black" pitchFamily="34" charset="-127"/>
-              </a:rPr>
-            </a:br>
-            <a:r>
-              <a:rPr lang="ko-KR" altLang="en-US" sz="4400" dirty="0">
-                <a:solidFill>
-                  <a:schemeClr val="tx1">
-                    <a:lumMod val="75000"/>
-                    <a:lumOff val="25000"/>
-                  </a:schemeClr>
-                </a:solidFill>
-                <a:latin typeface="Noto Sans CJK KR Black" pitchFamily="34" charset="-127"/>
-                <a:ea typeface="Noto Sans CJK KR Black" pitchFamily="34" charset="-127"/>
-              </a:rPr>
-              <a:t>알고리즘</a:t>
+              <a:t>시계열 알고리즘</a:t>
             </a:r>
             <a:endParaRPr lang="ko-KR" altLang="en-US" sz="4400" dirty="0">
               <a:solidFill>
@@ -8909,7 +8950,7 @@
           <p:cNvPr id="2" name="그림 1">
             <a:extLst>
               <a:ext uri="{FF2B5EF4-FFF2-40B4-BE49-F238E27FC236}">
-                <a16:creationId xmlns:a16="http://schemas.microsoft.com/office/drawing/2014/main" id="{FED80CE0-B681-46B3-8C9A-F3DC74F22BF9}"/>
+                <a16:creationId xmlns:a16="http://schemas.microsoft.com/office/drawing/2014/main" id="{D4C44B78-53E1-4DCC-B530-04C578725F32}"/>
               </a:ext>
             </a:extLst>
           </p:cNvPr>
@@ -8926,8 +8967,8 @@
         </p:blipFill>
         <p:spPr>
           <a:xfrm>
-            <a:off x="3077929" y="0"/>
-            <a:ext cx="9082321" cy="6840538"/>
+            <a:off x="4135909" y="0"/>
+            <a:ext cx="7697885" cy="6840538"/>
           </a:xfrm>
           <a:prstGeom prst="rect">
             <a:avLst/>
@@ -8937,7 +8978,7 @@
     </p:spTree>
     <p:extLst>
       <p:ext uri="{BB962C8B-B14F-4D97-AF65-F5344CB8AC3E}">
-        <p14:creationId xmlns:p14="http://schemas.microsoft.com/office/powerpoint/2010/main" val="330801271"/>
+        <p14:creationId xmlns:p14="http://schemas.microsoft.com/office/powerpoint/2010/main" val="1053481196"/>
       </p:ext>
     </p:extLst>
   </p:cSld>
@@ -9066,7 +9107,7 @@
           <p:cNvPr id="2" name="그림 1">
             <a:extLst>
               <a:ext uri="{FF2B5EF4-FFF2-40B4-BE49-F238E27FC236}">
-                <a16:creationId xmlns:a16="http://schemas.microsoft.com/office/drawing/2014/main" id="{7D76C1BD-C787-4503-8BA4-3F5987C11AF4}"/>
+                <a16:creationId xmlns:a16="http://schemas.microsoft.com/office/drawing/2014/main" id="{22AC9117-458F-4CDF-B53F-28194144D755}"/>
               </a:ext>
             </a:extLst>
           </p:cNvPr>
@@ -9083,8 +9124,8 @@
         </p:blipFill>
         <p:spPr>
           <a:xfrm>
-            <a:off x="1022350" y="1499731"/>
-            <a:ext cx="10115550" cy="5238750"/>
+            <a:off x="2451100" y="2686844"/>
+            <a:ext cx="7258050" cy="1466850"/>
           </a:xfrm>
           <a:prstGeom prst="rect">
             <a:avLst/>
@@ -9094,7 +9135,7 @@
     </p:spTree>
     <p:extLst>
       <p:ext uri="{BB962C8B-B14F-4D97-AF65-F5344CB8AC3E}">
-        <p14:creationId xmlns:p14="http://schemas.microsoft.com/office/powerpoint/2010/main" val="3867141425"/>
+        <p14:creationId xmlns:p14="http://schemas.microsoft.com/office/powerpoint/2010/main" val="1853282591"/>
       </p:ext>
     </p:extLst>
   </p:cSld>
@@ -9133,6 +9174,815 @@
         </p:nvSpPr>
         <p:spPr>
           <a:xfrm>
+            <a:off x="608016" y="551987"/>
+            <a:ext cx="10944225" cy="1140090"/>
+          </a:xfrm>
+        </p:spPr>
+        <p:txBody>
+          <a:bodyPr>
+            <a:normAutofit/>
+          </a:bodyPr>
+          <a:lstStyle/>
+          <a:p>
+            <a:pPr algn="l"/>
+            <a:r>
+              <a:rPr lang="en-US" altLang="ko-KR" sz="4400" dirty="0">
+                <a:solidFill>
+                  <a:schemeClr val="tx1">
+                    <a:lumMod val="75000"/>
+                    <a:lumOff val="25000"/>
+                  </a:schemeClr>
+                </a:solidFill>
+                <a:latin typeface="Noto Sans CJK KR Black" pitchFamily="34" charset="-127"/>
+                <a:ea typeface="Noto Sans CJK KR Black" pitchFamily="34" charset="-127"/>
+              </a:rPr>
+              <a:t>2. </a:t>
+            </a:r>
+            <a:r>
+              <a:rPr lang="ko-KR" altLang="en-US" sz="4400" dirty="0" err="1">
+                <a:solidFill>
+                  <a:schemeClr val="tx1">
+                    <a:lumMod val="75000"/>
+                    <a:lumOff val="25000"/>
+                  </a:schemeClr>
+                </a:solidFill>
+                <a:latin typeface="Noto Sans CJK KR Black" pitchFamily="34" charset="-127"/>
+                <a:ea typeface="Noto Sans CJK KR Black" pitchFamily="34" charset="-127"/>
+              </a:rPr>
+              <a:t>다변량</a:t>
+            </a:r>
+            <a:r>
+              <a:rPr lang="ko-KR" altLang="en-US" sz="4400" dirty="0">
+                <a:solidFill>
+                  <a:schemeClr val="tx1">
+                    <a:lumMod val="75000"/>
+                    <a:lumOff val="25000"/>
+                  </a:schemeClr>
+                </a:solidFill>
+                <a:latin typeface="Noto Sans CJK KR Black" pitchFamily="34" charset="-127"/>
+                <a:ea typeface="Noto Sans CJK KR Black" pitchFamily="34" charset="-127"/>
+              </a:rPr>
+              <a:t> 시계열 알고리즘</a:t>
+            </a:r>
+            <a:endParaRPr lang="ko-KR" altLang="en-US" sz="4400" dirty="0">
+              <a:solidFill>
+                <a:schemeClr val="tx1">
+                  <a:lumMod val="75000"/>
+                  <a:lumOff val="25000"/>
+                </a:schemeClr>
+              </a:solidFill>
+            </a:endParaRPr>
+          </a:p>
+        </p:txBody>
+      </p:sp>
+      <p:sp>
+        <p:nvSpPr>
+          <p:cNvPr id="3" name="슬라이드 번호 개체 틀 2"/>
+          <p:cNvSpPr>
+            <a:spLocks noGrp="1"/>
+          </p:cNvSpPr>
+          <p:nvPr>
+            <p:ph type="sldNum" sz="quarter" idx="12"/>
+          </p:nvPr>
+        </p:nvSpPr>
+        <p:spPr/>
+        <p:txBody>
+          <a:bodyPr/>
+          <a:lstStyle/>
+          <a:p>
+            <a:fld id="{6DDAE2C3-1A0B-474A-8CE8-AE55B8D9D4B1}" type="slidenum">
+              <a:rPr lang="ko-KR" altLang="en-US" smtClean="0"/>
+              <a:pPr/>
+              <a:t>36</a:t>
+            </a:fld>
+            <a:endParaRPr lang="ko-KR" altLang="en-US" dirty="0"/>
+          </a:p>
+        </p:txBody>
+      </p:sp>
+      <p:pic>
+        <p:nvPicPr>
+          <p:cNvPr id="2" name="그림 1">
+            <a:extLst>
+              <a:ext uri="{FF2B5EF4-FFF2-40B4-BE49-F238E27FC236}">
+                <a16:creationId xmlns:a16="http://schemas.microsoft.com/office/drawing/2014/main" id="{28562A85-5166-47CB-9A1A-EBA202036AAE}"/>
+              </a:ext>
+            </a:extLst>
+          </p:cNvPr>
+          <p:cNvPicPr>
+            <a:picLocks noChangeAspect="1"/>
+          </p:cNvPicPr>
+          <p:nvPr/>
+        </p:nvPicPr>
+        <p:blipFill>
+          <a:blip r:embed="rId2"/>
+          <a:stretch>
+            <a:fillRect/>
+          </a:stretch>
+        </p:blipFill>
+        <p:spPr>
+          <a:xfrm>
+            <a:off x="2565400" y="1980109"/>
+            <a:ext cx="7029450" cy="3543300"/>
+          </a:xfrm>
+          <a:prstGeom prst="rect">
+            <a:avLst/>
+          </a:prstGeom>
+        </p:spPr>
+      </p:pic>
+    </p:spTree>
+    <p:extLst>
+      <p:ext uri="{BB962C8B-B14F-4D97-AF65-F5344CB8AC3E}">
+        <p14:creationId xmlns:p14="http://schemas.microsoft.com/office/powerpoint/2010/main" val="1382955336"/>
+      </p:ext>
+    </p:extLst>
+  </p:cSld>
+  <p:clrMapOvr>
+    <a:masterClrMapping/>
+  </p:clrMapOvr>
+</p:sld>
+</file>
+
+<file path=ppt/slides/slide37.xml><?xml version="1.0" encoding="utf-8"?>
+<p:sld xmlns:a="http://schemas.openxmlformats.org/drawingml/2006/main" xmlns:r="http://schemas.openxmlformats.org/officeDocument/2006/relationships" xmlns:p="http://schemas.openxmlformats.org/presentationml/2006/main">
+  <p:cSld>
+    <p:spTree>
+      <p:nvGrpSpPr>
+        <p:cNvPr id="1" name=""/>
+        <p:cNvGrpSpPr/>
+        <p:nvPr/>
+      </p:nvGrpSpPr>
+      <p:grpSpPr>
+        <a:xfrm>
+          <a:off x="0" y="0"/>
+          <a:ext cx="0" cy="0"/>
+          <a:chOff x="0" y="0"/>
+          <a:chExt cx="0" cy="0"/>
+        </a:xfrm>
+      </p:grpSpPr>
+      <p:sp>
+        <p:nvSpPr>
+          <p:cNvPr id="5" name="제목 4"/>
+          <p:cNvSpPr>
+            <a:spLocks noGrp="1"/>
+          </p:cNvSpPr>
+          <p:nvPr>
+            <p:ph type="title"/>
+          </p:nvPr>
+        </p:nvSpPr>
+        <p:spPr>
+          <a:xfrm>
+            <a:off x="608016" y="551987"/>
+            <a:ext cx="10944225" cy="1140090"/>
+          </a:xfrm>
+        </p:spPr>
+        <p:txBody>
+          <a:bodyPr>
+            <a:normAutofit/>
+          </a:bodyPr>
+          <a:lstStyle/>
+          <a:p>
+            <a:pPr algn="l"/>
+            <a:r>
+              <a:rPr lang="en-US" altLang="ko-KR" sz="4400" dirty="0">
+                <a:solidFill>
+                  <a:schemeClr val="tx1">
+                    <a:lumMod val="75000"/>
+                    <a:lumOff val="25000"/>
+                  </a:schemeClr>
+                </a:solidFill>
+                <a:latin typeface="Noto Sans CJK KR Black" pitchFamily="34" charset="-127"/>
+                <a:ea typeface="Noto Sans CJK KR Black" pitchFamily="34" charset="-127"/>
+              </a:rPr>
+              <a:t>2. </a:t>
+            </a:r>
+            <a:r>
+              <a:rPr lang="ko-KR" altLang="en-US" sz="4400" dirty="0" err="1">
+                <a:solidFill>
+                  <a:schemeClr val="tx1">
+                    <a:lumMod val="75000"/>
+                    <a:lumOff val="25000"/>
+                  </a:schemeClr>
+                </a:solidFill>
+                <a:latin typeface="Noto Sans CJK KR Black" pitchFamily="34" charset="-127"/>
+                <a:ea typeface="Noto Sans CJK KR Black" pitchFamily="34" charset="-127"/>
+              </a:rPr>
+              <a:t>다변량</a:t>
+            </a:r>
+            <a:r>
+              <a:rPr lang="ko-KR" altLang="en-US" sz="4400" dirty="0">
+                <a:solidFill>
+                  <a:schemeClr val="tx1">
+                    <a:lumMod val="75000"/>
+                    <a:lumOff val="25000"/>
+                  </a:schemeClr>
+                </a:solidFill>
+                <a:latin typeface="Noto Sans CJK KR Black" pitchFamily="34" charset="-127"/>
+                <a:ea typeface="Noto Sans CJK KR Black" pitchFamily="34" charset="-127"/>
+              </a:rPr>
+              <a:t> 시계열 알고리즘</a:t>
+            </a:r>
+            <a:endParaRPr lang="ko-KR" altLang="en-US" sz="4400" dirty="0">
+              <a:solidFill>
+                <a:schemeClr val="tx1">
+                  <a:lumMod val="75000"/>
+                  <a:lumOff val="25000"/>
+                </a:schemeClr>
+              </a:solidFill>
+            </a:endParaRPr>
+          </a:p>
+        </p:txBody>
+      </p:sp>
+      <p:sp>
+        <p:nvSpPr>
+          <p:cNvPr id="3" name="슬라이드 번호 개체 틀 2"/>
+          <p:cNvSpPr>
+            <a:spLocks noGrp="1"/>
+          </p:cNvSpPr>
+          <p:nvPr>
+            <p:ph type="sldNum" sz="quarter" idx="12"/>
+          </p:nvPr>
+        </p:nvSpPr>
+        <p:spPr/>
+        <p:txBody>
+          <a:bodyPr/>
+          <a:lstStyle/>
+          <a:p>
+            <a:fld id="{6DDAE2C3-1A0B-474A-8CE8-AE55B8D9D4B1}" type="slidenum">
+              <a:rPr lang="ko-KR" altLang="en-US" smtClean="0"/>
+              <a:pPr/>
+              <a:t>37</a:t>
+            </a:fld>
+            <a:endParaRPr lang="ko-KR" altLang="en-US" dirty="0"/>
+          </a:p>
+        </p:txBody>
+      </p:sp>
+      <p:pic>
+        <p:nvPicPr>
+          <p:cNvPr id="2" name="그림 1">
+            <a:extLst>
+              <a:ext uri="{FF2B5EF4-FFF2-40B4-BE49-F238E27FC236}">
+                <a16:creationId xmlns:a16="http://schemas.microsoft.com/office/drawing/2014/main" id="{D72FA8AA-8FE8-41E4-95F4-404E0F15A76D}"/>
+              </a:ext>
+            </a:extLst>
+          </p:cNvPr>
+          <p:cNvPicPr>
+            <a:picLocks noChangeAspect="1"/>
+          </p:cNvPicPr>
+          <p:nvPr/>
+        </p:nvPicPr>
+        <p:blipFill>
+          <a:blip r:embed="rId2"/>
+          <a:stretch>
+            <a:fillRect/>
+          </a:stretch>
+        </p:blipFill>
+        <p:spPr>
+          <a:xfrm>
+            <a:off x="1436687" y="1620745"/>
+            <a:ext cx="9286875" cy="4933950"/>
+          </a:xfrm>
+          <a:prstGeom prst="rect">
+            <a:avLst/>
+          </a:prstGeom>
+        </p:spPr>
+      </p:pic>
+    </p:spTree>
+    <p:extLst>
+      <p:ext uri="{BB962C8B-B14F-4D97-AF65-F5344CB8AC3E}">
+        <p14:creationId xmlns:p14="http://schemas.microsoft.com/office/powerpoint/2010/main" val="1888673470"/>
+      </p:ext>
+    </p:extLst>
+  </p:cSld>
+  <p:clrMapOvr>
+    <a:masterClrMapping/>
+  </p:clrMapOvr>
+</p:sld>
+</file>
+
+<file path=ppt/slides/slide38.xml><?xml version="1.0" encoding="utf-8"?>
+<p:sld xmlns:a="http://schemas.openxmlformats.org/drawingml/2006/main" xmlns:r="http://schemas.openxmlformats.org/officeDocument/2006/relationships" xmlns:p="http://schemas.openxmlformats.org/presentationml/2006/main">
+  <p:cSld>
+    <p:spTree>
+      <p:nvGrpSpPr>
+        <p:cNvPr id="1" name=""/>
+        <p:cNvGrpSpPr/>
+        <p:nvPr/>
+      </p:nvGrpSpPr>
+      <p:grpSpPr>
+        <a:xfrm>
+          <a:off x="0" y="0"/>
+          <a:ext cx="0" cy="0"/>
+          <a:chOff x="0" y="0"/>
+          <a:chExt cx="0" cy="0"/>
+        </a:xfrm>
+      </p:grpSpPr>
+      <p:sp>
+        <p:nvSpPr>
+          <p:cNvPr id="5" name="제목 4"/>
+          <p:cNvSpPr>
+            <a:spLocks noGrp="1"/>
+          </p:cNvSpPr>
+          <p:nvPr>
+            <p:ph type="title"/>
+          </p:nvPr>
+        </p:nvSpPr>
+        <p:spPr>
+          <a:xfrm>
+            <a:off x="608012" y="971997"/>
+            <a:ext cx="10944225" cy="1140090"/>
+          </a:xfrm>
+        </p:spPr>
+        <p:txBody>
+          <a:bodyPr>
+            <a:normAutofit fontScale="90000"/>
+          </a:bodyPr>
+          <a:lstStyle/>
+          <a:p>
+            <a:pPr algn="l"/>
+            <a:r>
+              <a:rPr lang="en-US" altLang="ko-KR" sz="4400" dirty="0">
+                <a:solidFill>
+                  <a:schemeClr val="tx1">
+                    <a:lumMod val="75000"/>
+                    <a:lumOff val="25000"/>
+                  </a:schemeClr>
+                </a:solidFill>
+                <a:latin typeface="Noto Sans CJK KR Black" pitchFamily="34" charset="-127"/>
+                <a:ea typeface="Noto Sans CJK KR Black" pitchFamily="34" charset="-127"/>
+              </a:rPr>
+              <a:t>2. </a:t>
+            </a:r>
+            <a:r>
+              <a:rPr lang="ko-KR" altLang="en-US" sz="4400" dirty="0" err="1">
+                <a:solidFill>
+                  <a:schemeClr val="tx1">
+                    <a:lumMod val="75000"/>
+                    <a:lumOff val="25000"/>
+                  </a:schemeClr>
+                </a:solidFill>
+                <a:latin typeface="Noto Sans CJK KR Black" pitchFamily="34" charset="-127"/>
+                <a:ea typeface="Noto Sans CJK KR Black" pitchFamily="34" charset="-127"/>
+              </a:rPr>
+              <a:t>다변량</a:t>
+            </a:r>
+            <a:br>
+              <a:rPr lang="en-US" altLang="ko-KR" sz="4400" dirty="0">
+                <a:solidFill>
+                  <a:schemeClr val="tx1">
+                    <a:lumMod val="75000"/>
+                    <a:lumOff val="25000"/>
+                  </a:schemeClr>
+                </a:solidFill>
+                <a:latin typeface="Noto Sans CJK KR Black" pitchFamily="34" charset="-127"/>
+                <a:ea typeface="Noto Sans CJK KR Black" pitchFamily="34" charset="-127"/>
+              </a:rPr>
+            </a:br>
+            <a:r>
+              <a:rPr lang="ko-KR" altLang="en-US" sz="4400" dirty="0">
+                <a:solidFill>
+                  <a:schemeClr val="tx1">
+                    <a:lumMod val="75000"/>
+                    <a:lumOff val="25000"/>
+                  </a:schemeClr>
+                </a:solidFill>
+                <a:latin typeface="Noto Sans CJK KR Black" pitchFamily="34" charset="-127"/>
+                <a:ea typeface="Noto Sans CJK KR Black" pitchFamily="34" charset="-127"/>
+              </a:rPr>
+              <a:t> 시계열 </a:t>
+            </a:r>
+            <a:br>
+              <a:rPr lang="en-US" altLang="ko-KR" sz="4400" dirty="0">
+                <a:solidFill>
+                  <a:schemeClr val="tx1">
+                    <a:lumMod val="75000"/>
+                    <a:lumOff val="25000"/>
+                  </a:schemeClr>
+                </a:solidFill>
+                <a:latin typeface="Noto Sans CJK KR Black" pitchFamily="34" charset="-127"/>
+                <a:ea typeface="Noto Sans CJK KR Black" pitchFamily="34" charset="-127"/>
+              </a:rPr>
+            </a:br>
+            <a:r>
+              <a:rPr lang="ko-KR" altLang="en-US" sz="4400" dirty="0">
+                <a:solidFill>
+                  <a:schemeClr val="tx1">
+                    <a:lumMod val="75000"/>
+                    <a:lumOff val="25000"/>
+                  </a:schemeClr>
+                </a:solidFill>
+                <a:latin typeface="Noto Sans CJK KR Black" pitchFamily="34" charset="-127"/>
+                <a:ea typeface="Noto Sans CJK KR Black" pitchFamily="34" charset="-127"/>
+              </a:rPr>
+              <a:t>알고리즘</a:t>
+            </a:r>
+            <a:endParaRPr lang="ko-KR" altLang="en-US" sz="4400" dirty="0">
+              <a:solidFill>
+                <a:schemeClr val="tx1">
+                  <a:lumMod val="75000"/>
+                  <a:lumOff val="25000"/>
+                </a:schemeClr>
+              </a:solidFill>
+            </a:endParaRPr>
+          </a:p>
+        </p:txBody>
+      </p:sp>
+      <p:sp>
+        <p:nvSpPr>
+          <p:cNvPr id="3" name="슬라이드 번호 개체 틀 2"/>
+          <p:cNvSpPr>
+            <a:spLocks noGrp="1"/>
+          </p:cNvSpPr>
+          <p:nvPr>
+            <p:ph type="sldNum" sz="quarter" idx="12"/>
+          </p:nvPr>
+        </p:nvSpPr>
+        <p:spPr/>
+        <p:txBody>
+          <a:bodyPr/>
+          <a:lstStyle/>
+          <a:p>
+            <a:fld id="{6DDAE2C3-1A0B-474A-8CE8-AE55B8D9D4B1}" type="slidenum">
+              <a:rPr lang="ko-KR" altLang="en-US" smtClean="0"/>
+              <a:pPr/>
+              <a:t>38</a:t>
+            </a:fld>
+            <a:endParaRPr lang="ko-KR" altLang="en-US" dirty="0"/>
+          </a:p>
+        </p:txBody>
+      </p:sp>
+      <p:pic>
+        <p:nvPicPr>
+          <p:cNvPr id="2" name="그림 1">
+            <a:extLst>
+              <a:ext uri="{FF2B5EF4-FFF2-40B4-BE49-F238E27FC236}">
+                <a16:creationId xmlns:a16="http://schemas.microsoft.com/office/drawing/2014/main" id="{FED80CE0-B681-46B3-8C9A-F3DC74F22BF9}"/>
+              </a:ext>
+            </a:extLst>
+          </p:cNvPr>
+          <p:cNvPicPr>
+            <a:picLocks noChangeAspect="1"/>
+          </p:cNvPicPr>
+          <p:nvPr/>
+        </p:nvPicPr>
+        <p:blipFill>
+          <a:blip r:embed="rId2"/>
+          <a:stretch>
+            <a:fillRect/>
+          </a:stretch>
+        </p:blipFill>
+        <p:spPr>
+          <a:xfrm>
+            <a:off x="3077929" y="0"/>
+            <a:ext cx="9082321" cy="6840538"/>
+          </a:xfrm>
+          <a:prstGeom prst="rect">
+            <a:avLst/>
+          </a:prstGeom>
+        </p:spPr>
+      </p:pic>
+    </p:spTree>
+    <p:extLst>
+      <p:ext uri="{BB962C8B-B14F-4D97-AF65-F5344CB8AC3E}">
+        <p14:creationId xmlns:p14="http://schemas.microsoft.com/office/powerpoint/2010/main" val="330801271"/>
+      </p:ext>
+    </p:extLst>
+  </p:cSld>
+  <p:clrMapOvr>
+    <a:masterClrMapping/>
+  </p:clrMapOvr>
+</p:sld>
+</file>
+
+<file path=ppt/slides/slide39.xml><?xml version="1.0" encoding="utf-8"?>
+<p:sld xmlns:a="http://schemas.openxmlformats.org/drawingml/2006/main" xmlns:r="http://schemas.openxmlformats.org/officeDocument/2006/relationships" xmlns:p="http://schemas.openxmlformats.org/presentationml/2006/main">
+  <p:cSld>
+    <p:spTree>
+      <p:nvGrpSpPr>
+        <p:cNvPr id="1" name=""/>
+        <p:cNvGrpSpPr/>
+        <p:nvPr/>
+      </p:nvGrpSpPr>
+      <p:grpSpPr>
+        <a:xfrm>
+          <a:off x="0" y="0"/>
+          <a:ext cx="0" cy="0"/>
+          <a:chOff x="0" y="0"/>
+          <a:chExt cx="0" cy="0"/>
+        </a:xfrm>
+      </p:grpSpPr>
+      <p:sp>
+        <p:nvSpPr>
+          <p:cNvPr id="5" name="제목 4"/>
+          <p:cNvSpPr>
+            <a:spLocks noGrp="1"/>
+          </p:cNvSpPr>
+          <p:nvPr>
+            <p:ph type="title"/>
+          </p:nvPr>
+        </p:nvSpPr>
+        <p:spPr>
+          <a:xfrm>
+            <a:off x="608016" y="551987"/>
+            <a:ext cx="10944225" cy="1140090"/>
+          </a:xfrm>
+        </p:spPr>
+        <p:txBody>
+          <a:bodyPr>
+            <a:normAutofit/>
+          </a:bodyPr>
+          <a:lstStyle/>
+          <a:p>
+            <a:pPr algn="l"/>
+            <a:r>
+              <a:rPr lang="en-US" altLang="ko-KR" sz="4400" dirty="0">
+                <a:solidFill>
+                  <a:schemeClr val="tx1">
+                    <a:lumMod val="75000"/>
+                    <a:lumOff val="25000"/>
+                  </a:schemeClr>
+                </a:solidFill>
+                <a:latin typeface="Noto Sans CJK KR Black" pitchFamily="34" charset="-127"/>
+                <a:ea typeface="Noto Sans CJK KR Black" pitchFamily="34" charset="-127"/>
+              </a:rPr>
+              <a:t>2. </a:t>
+            </a:r>
+            <a:r>
+              <a:rPr lang="ko-KR" altLang="en-US" sz="4400" dirty="0" err="1">
+                <a:solidFill>
+                  <a:schemeClr val="tx1">
+                    <a:lumMod val="75000"/>
+                    <a:lumOff val="25000"/>
+                  </a:schemeClr>
+                </a:solidFill>
+                <a:latin typeface="Noto Sans CJK KR Black" pitchFamily="34" charset="-127"/>
+                <a:ea typeface="Noto Sans CJK KR Black" pitchFamily="34" charset="-127"/>
+              </a:rPr>
+              <a:t>다변량</a:t>
+            </a:r>
+            <a:r>
+              <a:rPr lang="ko-KR" altLang="en-US" sz="4400" dirty="0">
+                <a:solidFill>
+                  <a:schemeClr val="tx1">
+                    <a:lumMod val="75000"/>
+                    <a:lumOff val="25000"/>
+                  </a:schemeClr>
+                </a:solidFill>
+                <a:latin typeface="Noto Sans CJK KR Black" pitchFamily="34" charset="-127"/>
+                <a:ea typeface="Noto Sans CJK KR Black" pitchFamily="34" charset="-127"/>
+              </a:rPr>
+              <a:t> 시계열 알고리즘</a:t>
+            </a:r>
+            <a:endParaRPr lang="ko-KR" altLang="en-US" sz="4400" dirty="0">
+              <a:solidFill>
+                <a:schemeClr val="tx1">
+                  <a:lumMod val="75000"/>
+                  <a:lumOff val="25000"/>
+                </a:schemeClr>
+              </a:solidFill>
+            </a:endParaRPr>
+          </a:p>
+        </p:txBody>
+      </p:sp>
+      <p:sp>
+        <p:nvSpPr>
+          <p:cNvPr id="3" name="슬라이드 번호 개체 틀 2"/>
+          <p:cNvSpPr>
+            <a:spLocks noGrp="1"/>
+          </p:cNvSpPr>
+          <p:nvPr>
+            <p:ph type="sldNum" sz="quarter" idx="12"/>
+          </p:nvPr>
+        </p:nvSpPr>
+        <p:spPr/>
+        <p:txBody>
+          <a:bodyPr/>
+          <a:lstStyle/>
+          <a:p>
+            <a:fld id="{6DDAE2C3-1A0B-474A-8CE8-AE55B8D9D4B1}" type="slidenum">
+              <a:rPr lang="ko-KR" altLang="en-US" smtClean="0"/>
+              <a:pPr/>
+              <a:t>39</a:t>
+            </a:fld>
+            <a:endParaRPr lang="ko-KR" altLang="en-US" dirty="0"/>
+          </a:p>
+        </p:txBody>
+      </p:sp>
+      <p:pic>
+        <p:nvPicPr>
+          <p:cNvPr id="2" name="그림 1">
+            <a:extLst>
+              <a:ext uri="{FF2B5EF4-FFF2-40B4-BE49-F238E27FC236}">
+                <a16:creationId xmlns:a16="http://schemas.microsoft.com/office/drawing/2014/main" id="{7D76C1BD-C787-4503-8BA4-3F5987C11AF4}"/>
+              </a:ext>
+            </a:extLst>
+          </p:cNvPr>
+          <p:cNvPicPr>
+            <a:picLocks noChangeAspect="1"/>
+          </p:cNvPicPr>
+          <p:nvPr/>
+        </p:nvPicPr>
+        <p:blipFill>
+          <a:blip r:embed="rId2"/>
+          <a:stretch>
+            <a:fillRect/>
+          </a:stretch>
+        </p:blipFill>
+        <p:spPr>
+          <a:xfrm>
+            <a:off x="1022350" y="1499731"/>
+            <a:ext cx="10115550" cy="5238750"/>
+          </a:xfrm>
+          <a:prstGeom prst="rect">
+            <a:avLst/>
+          </a:prstGeom>
+        </p:spPr>
+      </p:pic>
+    </p:spTree>
+    <p:extLst>
+      <p:ext uri="{BB962C8B-B14F-4D97-AF65-F5344CB8AC3E}">
+        <p14:creationId xmlns:p14="http://schemas.microsoft.com/office/powerpoint/2010/main" val="3867141425"/>
+      </p:ext>
+    </p:extLst>
+  </p:cSld>
+  <p:clrMapOvr>
+    <a:masterClrMapping/>
+  </p:clrMapOvr>
+</p:sld>
+</file>
+
+<file path=ppt/slides/slide4.xml><?xml version="1.0" encoding="utf-8"?>
+<p:sld xmlns:a="http://schemas.openxmlformats.org/drawingml/2006/main" xmlns:r="http://schemas.openxmlformats.org/officeDocument/2006/relationships" xmlns:p="http://schemas.openxmlformats.org/presentationml/2006/main">
+  <p:cSld>
+    <p:spTree>
+      <p:nvGrpSpPr>
+        <p:cNvPr id="1" name=""/>
+        <p:cNvGrpSpPr/>
+        <p:nvPr/>
+      </p:nvGrpSpPr>
+      <p:grpSpPr>
+        <a:xfrm>
+          <a:off x="0" y="0"/>
+          <a:ext cx="0" cy="0"/>
+          <a:chOff x="0" y="0"/>
+          <a:chExt cx="0" cy="0"/>
+        </a:xfrm>
+      </p:grpSpPr>
+      <p:sp>
+        <p:nvSpPr>
+          <p:cNvPr id="5" name="제목 4"/>
+          <p:cNvSpPr>
+            <a:spLocks noGrp="1"/>
+          </p:cNvSpPr>
+          <p:nvPr>
+            <p:ph type="title"/>
+          </p:nvPr>
+        </p:nvSpPr>
+        <p:spPr>
+          <a:xfrm>
+            <a:off x="608016" y="551987"/>
+            <a:ext cx="10944225" cy="1140090"/>
+          </a:xfrm>
+        </p:spPr>
+        <p:txBody>
+          <a:bodyPr>
+            <a:normAutofit/>
+          </a:bodyPr>
+          <a:lstStyle/>
+          <a:p>
+            <a:pPr algn="l"/>
+            <a:r>
+              <a:rPr lang="en-US" altLang="ko-KR" sz="4400" dirty="0">
+                <a:solidFill>
+                  <a:schemeClr val="tx1">
+                    <a:lumMod val="75000"/>
+                    <a:lumOff val="25000"/>
+                  </a:schemeClr>
+                </a:solidFill>
+                <a:latin typeface="Noto Sans CJK KR Black" pitchFamily="34" charset="-127"/>
+                <a:ea typeface="Noto Sans CJK KR Black" pitchFamily="34" charset="-127"/>
+              </a:rPr>
+              <a:t>1. </a:t>
+            </a:r>
+            <a:r>
+              <a:rPr lang="ko-KR" altLang="en-US" sz="4400" dirty="0">
+                <a:solidFill>
+                  <a:schemeClr val="tx1">
+                    <a:lumMod val="75000"/>
+                    <a:lumOff val="25000"/>
+                  </a:schemeClr>
+                </a:solidFill>
+                <a:latin typeface="Noto Sans CJK KR Black" pitchFamily="34" charset="-127"/>
+                <a:ea typeface="Noto Sans CJK KR Black" pitchFamily="34" charset="-127"/>
+              </a:rPr>
+              <a:t>비선형 시계열 알고리즘</a:t>
+            </a:r>
+            <a:endParaRPr lang="ko-KR" altLang="en-US" sz="4400" dirty="0">
+              <a:solidFill>
+                <a:schemeClr val="tx1">
+                  <a:lumMod val="75000"/>
+                  <a:lumOff val="25000"/>
+                </a:schemeClr>
+              </a:solidFill>
+            </a:endParaRPr>
+          </a:p>
+        </p:txBody>
+      </p:sp>
+      <p:sp>
+        <p:nvSpPr>
+          <p:cNvPr id="3" name="슬라이드 번호 개체 틀 2"/>
+          <p:cNvSpPr>
+            <a:spLocks noGrp="1"/>
+          </p:cNvSpPr>
+          <p:nvPr>
+            <p:ph type="sldNum" sz="quarter" idx="12"/>
+          </p:nvPr>
+        </p:nvSpPr>
+        <p:spPr/>
+        <p:txBody>
+          <a:bodyPr/>
+          <a:lstStyle/>
+          <a:p>
+            <a:fld id="{6DDAE2C3-1A0B-474A-8CE8-AE55B8D9D4B1}" type="slidenum">
+              <a:rPr lang="ko-KR" altLang="en-US" smtClean="0"/>
+              <a:pPr/>
+              <a:t>4</a:t>
+            </a:fld>
+            <a:endParaRPr lang="ko-KR" altLang="en-US" dirty="0"/>
+          </a:p>
+        </p:txBody>
+      </p:sp>
+      <p:pic>
+        <p:nvPicPr>
+          <p:cNvPr id="2" name="그림 1">
+            <a:extLst>
+              <a:ext uri="{FF2B5EF4-FFF2-40B4-BE49-F238E27FC236}">
+                <a16:creationId xmlns:a16="http://schemas.microsoft.com/office/drawing/2014/main" id="{130A6EF7-58C5-4D7F-A65B-D28696937D5B}"/>
+              </a:ext>
+            </a:extLst>
+          </p:cNvPr>
+          <p:cNvPicPr>
+            <a:picLocks noChangeAspect="1"/>
+          </p:cNvPicPr>
+          <p:nvPr/>
+        </p:nvPicPr>
+        <p:blipFill>
+          <a:blip r:embed="rId2"/>
+          <a:stretch>
+            <a:fillRect/>
+          </a:stretch>
+        </p:blipFill>
+        <p:spPr>
+          <a:xfrm>
+            <a:off x="2646362" y="1626387"/>
+            <a:ext cx="6867525" cy="4800600"/>
+          </a:xfrm>
+          <a:prstGeom prst="rect">
+            <a:avLst/>
+          </a:prstGeom>
+        </p:spPr>
+      </p:pic>
+    </p:spTree>
+    <p:extLst>
+      <p:ext uri="{BB962C8B-B14F-4D97-AF65-F5344CB8AC3E}">
+        <p14:creationId xmlns:p14="http://schemas.microsoft.com/office/powerpoint/2010/main" val="2181878113"/>
+      </p:ext>
+    </p:extLst>
+  </p:cSld>
+  <p:clrMapOvr>
+    <a:masterClrMapping/>
+  </p:clrMapOvr>
+</p:sld>
+</file>
+
+<file path=ppt/slides/slide40.xml><?xml version="1.0" encoding="utf-8"?>
+<p:sld xmlns:a="http://schemas.openxmlformats.org/drawingml/2006/main" xmlns:r="http://schemas.openxmlformats.org/officeDocument/2006/relationships" xmlns:p="http://schemas.openxmlformats.org/presentationml/2006/main">
+  <p:cSld>
+    <p:spTree>
+      <p:nvGrpSpPr>
+        <p:cNvPr id="1" name=""/>
+        <p:cNvGrpSpPr/>
+        <p:nvPr/>
+      </p:nvGrpSpPr>
+      <p:grpSpPr>
+        <a:xfrm>
+          <a:off x="0" y="0"/>
+          <a:ext cx="0" cy="0"/>
+          <a:chOff x="0" y="0"/>
+          <a:chExt cx="0" cy="0"/>
+        </a:xfrm>
+      </p:grpSpPr>
+      <p:sp>
+        <p:nvSpPr>
+          <p:cNvPr id="5" name="제목 4"/>
+          <p:cNvSpPr>
+            <a:spLocks noGrp="1"/>
+          </p:cNvSpPr>
+          <p:nvPr>
+            <p:ph type="title"/>
+          </p:nvPr>
+        </p:nvSpPr>
+        <p:spPr>
+          <a:xfrm>
             <a:off x="608012" y="2700189"/>
             <a:ext cx="10944225" cy="1140090"/>
           </a:xfrm>
@@ -9411,7 +10261,7 @@
             <a:fld id="{6DDAE2C3-1A0B-474A-8CE8-AE55B8D9D4B1}" type="slidenum">
               <a:rPr lang="ko-KR" altLang="en-US" smtClean="0"/>
               <a:pPr/>
-              <a:t>36</a:t>
+              <a:t>40</a:t>
             </a:fld>
             <a:endParaRPr lang="ko-KR" altLang="en-US" dirty="0"/>
           </a:p>
@@ -9430,7 +10280,7 @@
 </p:sld>
 </file>
 
-<file path=ppt/slides/slide37.xml><?xml version="1.0" encoding="utf-8"?>
+<file path=ppt/slides/slide41.xml><?xml version="1.0" encoding="utf-8"?>
 <p:sld xmlns:a="http://schemas.openxmlformats.org/drawingml/2006/main" xmlns:r="http://schemas.openxmlformats.org/officeDocument/2006/relationships" xmlns:p="http://schemas.openxmlformats.org/presentationml/2006/main">
   <p:cSld>
     <p:spTree>
@@ -9607,150 +10457,6 @@
     <p:extLst>
       <p:ext uri="{BB962C8B-B14F-4D97-AF65-F5344CB8AC3E}">
         <p14:creationId xmlns:p14="http://schemas.microsoft.com/office/powerpoint/2010/main" val="3523919720"/>
-      </p:ext>
-    </p:extLst>
-  </p:cSld>
-  <p:clrMapOvr>
-    <a:masterClrMapping/>
-  </p:clrMapOvr>
-</p:sld>
-</file>
-
-<file path=ppt/slides/slide4.xml><?xml version="1.0" encoding="utf-8"?>
-<p:sld xmlns:a="http://schemas.openxmlformats.org/drawingml/2006/main" xmlns:r="http://schemas.openxmlformats.org/officeDocument/2006/relationships" xmlns:p="http://schemas.openxmlformats.org/presentationml/2006/main">
-  <p:cSld>
-    <p:spTree>
-      <p:nvGrpSpPr>
-        <p:cNvPr id="1" name=""/>
-        <p:cNvGrpSpPr/>
-        <p:nvPr/>
-      </p:nvGrpSpPr>
-      <p:grpSpPr>
-        <a:xfrm>
-          <a:off x="0" y="0"/>
-          <a:ext cx="0" cy="0"/>
-          <a:chOff x="0" y="0"/>
-          <a:chExt cx="0" cy="0"/>
-        </a:xfrm>
-      </p:grpSpPr>
-      <p:sp>
-        <p:nvSpPr>
-          <p:cNvPr id="5" name="제목 4"/>
-          <p:cNvSpPr>
-            <a:spLocks noGrp="1"/>
-          </p:cNvSpPr>
-          <p:nvPr>
-            <p:ph type="title"/>
-          </p:nvPr>
-        </p:nvSpPr>
-        <p:spPr>
-          <a:xfrm>
-            <a:off x="608016" y="551987"/>
-            <a:ext cx="10944225" cy="1140090"/>
-          </a:xfrm>
-        </p:spPr>
-        <p:txBody>
-          <a:bodyPr>
-            <a:normAutofit/>
-          </a:bodyPr>
-          <a:lstStyle/>
-          <a:p>
-            <a:pPr algn="l"/>
-            <a:r>
-              <a:rPr lang="en-US" altLang="ko-KR" sz="4400" dirty="0">
-                <a:solidFill>
-                  <a:schemeClr val="tx1">
-                    <a:lumMod val="75000"/>
-                    <a:lumOff val="25000"/>
-                  </a:schemeClr>
-                </a:solidFill>
-                <a:latin typeface="Noto Sans CJK KR Black" pitchFamily="34" charset="-127"/>
-                <a:ea typeface="Noto Sans CJK KR Black" pitchFamily="34" charset="-127"/>
-              </a:rPr>
-              <a:t>1. </a:t>
-            </a:r>
-            <a:r>
-              <a:rPr lang="ko-KR" altLang="en-US" sz="4400" dirty="0">
-                <a:solidFill>
-                  <a:schemeClr val="tx1">
-                    <a:lumMod val="75000"/>
-                    <a:lumOff val="25000"/>
-                  </a:schemeClr>
-                </a:solidFill>
-                <a:latin typeface="Noto Sans CJK KR Black" pitchFamily="34" charset="-127"/>
-                <a:ea typeface="Noto Sans CJK KR Black" pitchFamily="34" charset="-127"/>
-              </a:rPr>
-              <a:t>비선형 시계열 알고리즘</a:t>
-            </a:r>
-            <a:endParaRPr lang="ko-KR" altLang="en-US" sz="4400" dirty="0">
-              <a:solidFill>
-                <a:schemeClr val="tx1">
-                  <a:lumMod val="75000"/>
-                  <a:lumOff val="25000"/>
-                </a:schemeClr>
-              </a:solidFill>
-            </a:endParaRPr>
-          </a:p>
-        </p:txBody>
-      </p:sp>
-      <p:sp>
-        <p:nvSpPr>
-          <p:cNvPr id="3" name="슬라이드 번호 개체 틀 2"/>
-          <p:cNvSpPr>
-            <a:spLocks noGrp="1"/>
-          </p:cNvSpPr>
-          <p:nvPr>
-            <p:ph type="sldNum" sz="quarter" idx="12"/>
-          </p:nvPr>
-        </p:nvSpPr>
-        <p:spPr/>
-        <p:txBody>
-          <a:bodyPr/>
-          <a:lstStyle/>
-          <a:p>
-            <a:fld id="{6DDAE2C3-1A0B-474A-8CE8-AE55B8D9D4B1}" type="slidenum">
-              <a:rPr lang="ko-KR" altLang="en-US" smtClean="0"/>
-              <a:pPr/>
-              <a:t>4</a:t>
-            </a:fld>
-            <a:endParaRPr lang="ko-KR" altLang="en-US" dirty="0"/>
-          </a:p>
-        </p:txBody>
-      </p:sp>
-      <p:pic>
-        <p:nvPicPr>
-          <p:cNvPr id="2" name="그림 1">
-            <a:extLst>
-              <a:ext uri="{FF2B5EF4-FFF2-40B4-BE49-F238E27FC236}">
-                <a16:creationId xmlns:a16="http://schemas.microsoft.com/office/drawing/2014/main" id="{130A6EF7-58C5-4D7F-A65B-D28696937D5B}"/>
-              </a:ext>
-            </a:extLst>
-          </p:cNvPr>
-          <p:cNvPicPr>
-            <a:picLocks noChangeAspect="1"/>
-          </p:cNvPicPr>
-          <p:nvPr/>
-        </p:nvPicPr>
-        <p:blipFill>
-          <a:blip r:embed="rId2"/>
-          <a:stretch>
-            <a:fillRect/>
-          </a:stretch>
-        </p:blipFill>
-        <p:spPr>
-          <a:xfrm>
-            <a:off x="2646362" y="1626387"/>
-            <a:ext cx="6867525" cy="4800600"/>
-          </a:xfrm>
-          <a:prstGeom prst="rect">
-            <a:avLst/>
-          </a:prstGeom>
-        </p:spPr>
-      </p:pic>
-    </p:spTree>
-    <p:extLst>
-      <p:ext uri="{BB962C8B-B14F-4D97-AF65-F5344CB8AC3E}">
-        <p14:creationId xmlns:p14="http://schemas.microsoft.com/office/powerpoint/2010/main" val="2181878113"/>
       </p:ext>
     </p:extLst>
   </p:cSld>
